--- a/poster/ProjectPoster.pptx
+++ b/poster/ProjectPoster.pptx
@@ -4,6 +4,9 @@
   <p:sldMasterIdLst>
     <p:sldMasterId id="2147483648" r:id="rId1"/>
   </p:sldMasterIdLst>
+  <p:notesMasterIdLst>
+    <p:notesMasterId r:id="rId3"/>
+  </p:notesMasterIdLst>
   <p:sldIdLst>
     <p:sldId id="258" r:id="rId2"/>
   </p:sldIdLst>
@@ -12,25 +15,25 @@
   <p:embeddedFontLst>
     <p:embeddedFont>
       <p:font typeface="Open Sans" panose="020B0604020202020204" charset="0"/>
-      <p:regular r:id="rId3"/>
-      <p:bold r:id="rId4"/>
-      <p:italic r:id="rId5"/>
-      <p:boldItalic r:id="rId6"/>
+      <p:regular r:id="rId4"/>
+      <p:bold r:id="rId5"/>
+      <p:italic r:id="rId6"/>
+      <p:boldItalic r:id="rId7"/>
     </p:embeddedFont>
     <p:embeddedFont>
       <p:font typeface="Bree Serif" panose="020B0604020202020204" charset="0"/>
-      <p:regular r:id="rId7"/>
+      <p:regular r:id="rId8"/>
     </p:embeddedFont>
     <p:embeddedFont>
       <p:font typeface="Calibri" panose="020F0502020204030204" pitchFamily="34" charset="0"/>
-      <p:regular r:id="rId8"/>
-      <p:bold r:id="rId9"/>
-      <p:italic r:id="rId10"/>
-      <p:boldItalic r:id="rId11"/>
+      <p:regular r:id="rId9"/>
+      <p:bold r:id="rId10"/>
+      <p:italic r:id="rId11"/>
+      <p:boldItalic r:id="rId12"/>
     </p:embeddedFont>
   </p:embeddedFontLst>
   <p:custDataLst>
-    <p:tags r:id="rId12"/>
+    <p:tags r:id="rId13"/>
   </p:custDataLst>
   <p:defaultTextStyle>
     <a:defPPr>
@@ -161,6 +164,440 @@
 </p:cmAuthorLst>
 </file>
 
+<file path=ppt/notesMasters/notesMaster1.xml><?xml version="1.0" encoding="utf-8"?>
+<p:notesMaster xmlns:a="http://schemas.openxmlformats.org/drawingml/2006/main" xmlns:r="http://schemas.openxmlformats.org/officeDocument/2006/relationships" xmlns:p="http://schemas.openxmlformats.org/presentationml/2006/main">
+  <p:cSld>
+    <p:bg>
+      <p:bgRef idx="1001">
+        <a:schemeClr val="bg1"/>
+      </p:bgRef>
+    </p:bg>
+    <p:spTree>
+      <p:nvGrpSpPr>
+        <p:cNvPr id="1" name=""/>
+        <p:cNvGrpSpPr/>
+        <p:nvPr/>
+      </p:nvGrpSpPr>
+      <p:grpSpPr>
+        <a:xfrm>
+          <a:off x="0" y="0"/>
+          <a:ext cx="0" cy="0"/>
+          <a:chOff x="0" y="0"/>
+          <a:chExt cx="0" cy="0"/>
+        </a:xfrm>
+      </p:grpSpPr>
+      <p:sp>
+        <p:nvSpPr>
+          <p:cNvPr id="2" name="Header Placeholder 1"/>
+          <p:cNvSpPr>
+            <a:spLocks noGrp="1"/>
+          </p:cNvSpPr>
+          <p:nvPr>
+            <p:ph type="hdr" sz="quarter"/>
+          </p:nvPr>
+        </p:nvSpPr>
+        <p:spPr>
+          <a:xfrm>
+            <a:off x="0" y="0"/>
+            <a:ext cx="2971800" cy="458788"/>
+          </a:xfrm>
+          <a:prstGeom prst="rect">
+            <a:avLst/>
+          </a:prstGeom>
+        </p:spPr>
+        <p:txBody>
+          <a:bodyPr vert="horz" lIns="91440" tIns="45720" rIns="91440" bIns="45720" rtlCol="0"/>
+          <a:lstStyle>
+            <a:lvl1pPr algn="l">
+              <a:defRPr sz="1200"/>
+            </a:lvl1pPr>
+          </a:lstStyle>
+          <a:p>
+            <a:endParaRPr lang="en-US"/>
+          </a:p>
+        </p:txBody>
+      </p:sp>
+      <p:sp>
+        <p:nvSpPr>
+          <p:cNvPr id="3" name="Date Placeholder 2"/>
+          <p:cNvSpPr>
+            <a:spLocks noGrp="1"/>
+          </p:cNvSpPr>
+          <p:nvPr>
+            <p:ph type="dt" idx="1"/>
+          </p:nvPr>
+        </p:nvSpPr>
+        <p:spPr>
+          <a:xfrm>
+            <a:off x="3884613" y="0"/>
+            <a:ext cx="2971800" cy="458788"/>
+          </a:xfrm>
+          <a:prstGeom prst="rect">
+            <a:avLst/>
+          </a:prstGeom>
+        </p:spPr>
+        <p:txBody>
+          <a:bodyPr vert="horz" lIns="91440" tIns="45720" rIns="91440" bIns="45720" rtlCol="0"/>
+          <a:lstStyle>
+            <a:lvl1pPr algn="r">
+              <a:defRPr sz="1200"/>
+            </a:lvl1pPr>
+          </a:lstStyle>
+          <a:p>
+            <a:fld id="{09908870-C6BF-4F02-B3AB-DE8FEE05FAF5}" type="datetimeFigureOut">
+              <a:rPr lang="en-US" smtClean="0"/>
+              <a:t>2/20/2020</a:t>
+            </a:fld>
+            <a:endParaRPr lang="en-US"/>
+          </a:p>
+        </p:txBody>
+      </p:sp>
+      <p:sp>
+        <p:nvSpPr>
+          <p:cNvPr id="4" name="Slide Image Placeholder 3"/>
+          <p:cNvSpPr>
+            <a:spLocks noGrp="1" noRot="1" noChangeAspect="1"/>
+          </p:cNvSpPr>
+          <p:nvPr>
+            <p:ph type="sldImg" idx="2"/>
+          </p:nvPr>
+        </p:nvSpPr>
+        <p:spPr>
+          <a:xfrm>
+            <a:off x="1885950" y="1143000"/>
+            <a:ext cx="3086100" cy="3086100"/>
+          </a:xfrm>
+          <a:prstGeom prst="rect">
+            <a:avLst/>
+          </a:prstGeom>
+          <a:noFill/>
+          <a:ln w="12700">
+            <a:solidFill>
+              <a:prstClr val="black"/>
+            </a:solidFill>
+          </a:ln>
+        </p:spPr>
+        <p:txBody>
+          <a:bodyPr vert="horz" lIns="91440" tIns="45720" rIns="91440" bIns="45720" rtlCol="0" anchor="ctr"/>
+          <a:lstStyle/>
+          <a:p>
+            <a:endParaRPr lang="en-US"/>
+          </a:p>
+        </p:txBody>
+      </p:sp>
+      <p:sp>
+        <p:nvSpPr>
+          <p:cNvPr id="5" name="Notes Placeholder 4"/>
+          <p:cNvSpPr>
+            <a:spLocks noGrp="1"/>
+          </p:cNvSpPr>
+          <p:nvPr>
+            <p:ph type="body" sz="quarter" idx="3"/>
+          </p:nvPr>
+        </p:nvSpPr>
+        <p:spPr>
+          <a:xfrm>
+            <a:off x="685800" y="4400550"/>
+            <a:ext cx="5486400" cy="3600450"/>
+          </a:xfrm>
+          <a:prstGeom prst="rect">
+            <a:avLst/>
+          </a:prstGeom>
+        </p:spPr>
+        <p:txBody>
+          <a:bodyPr vert="horz" lIns="91440" tIns="45720" rIns="91440" bIns="45720" rtlCol="0"/>
+          <a:lstStyle/>
+          <a:p>
+            <a:pPr lvl="0"/>
+            <a:r>
+              <a:rPr lang="en-US" smtClean="0"/>
+              <a:t>Click to edit Master text styles</a:t>
+            </a:r>
+          </a:p>
+          <a:p>
+            <a:pPr lvl="1"/>
+            <a:r>
+              <a:rPr lang="en-US" smtClean="0"/>
+              <a:t>Second level</a:t>
+            </a:r>
+          </a:p>
+          <a:p>
+            <a:pPr lvl="2"/>
+            <a:r>
+              <a:rPr lang="en-US" smtClean="0"/>
+              <a:t>Third level</a:t>
+            </a:r>
+          </a:p>
+          <a:p>
+            <a:pPr lvl="3"/>
+            <a:r>
+              <a:rPr lang="en-US" smtClean="0"/>
+              <a:t>Fourth level</a:t>
+            </a:r>
+          </a:p>
+          <a:p>
+            <a:pPr lvl="4"/>
+            <a:r>
+              <a:rPr lang="en-US" smtClean="0"/>
+              <a:t>Fifth level</a:t>
+            </a:r>
+            <a:endParaRPr lang="en-US"/>
+          </a:p>
+        </p:txBody>
+      </p:sp>
+      <p:sp>
+        <p:nvSpPr>
+          <p:cNvPr id="6" name="Footer Placeholder 5"/>
+          <p:cNvSpPr>
+            <a:spLocks noGrp="1"/>
+          </p:cNvSpPr>
+          <p:nvPr>
+            <p:ph type="ftr" sz="quarter" idx="4"/>
+          </p:nvPr>
+        </p:nvSpPr>
+        <p:spPr>
+          <a:xfrm>
+            <a:off x="0" y="8685213"/>
+            <a:ext cx="2971800" cy="458787"/>
+          </a:xfrm>
+          <a:prstGeom prst="rect">
+            <a:avLst/>
+          </a:prstGeom>
+        </p:spPr>
+        <p:txBody>
+          <a:bodyPr vert="horz" lIns="91440" tIns="45720" rIns="91440" bIns="45720" rtlCol="0" anchor="b"/>
+          <a:lstStyle>
+            <a:lvl1pPr algn="l">
+              <a:defRPr sz="1200"/>
+            </a:lvl1pPr>
+          </a:lstStyle>
+          <a:p>
+            <a:endParaRPr lang="en-US"/>
+          </a:p>
+        </p:txBody>
+      </p:sp>
+      <p:sp>
+        <p:nvSpPr>
+          <p:cNvPr id="7" name="Slide Number Placeholder 6"/>
+          <p:cNvSpPr>
+            <a:spLocks noGrp="1"/>
+          </p:cNvSpPr>
+          <p:nvPr>
+            <p:ph type="sldNum" sz="quarter" idx="5"/>
+          </p:nvPr>
+        </p:nvSpPr>
+        <p:spPr>
+          <a:xfrm>
+            <a:off x="3884613" y="8685213"/>
+            <a:ext cx="2971800" cy="458787"/>
+          </a:xfrm>
+          <a:prstGeom prst="rect">
+            <a:avLst/>
+          </a:prstGeom>
+        </p:spPr>
+        <p:txBody>
+          <a:bodyPr vert="horz" lIns="91440" tIns="45720" rIns="91440" bIns="45720" rtlCol="0" anchor="b"/>
+          <a:lstStyle>
+            <a:lvl1pPr algn="r">
+              <a:defRPr sz="1200"/>
+            </a:lvl1pPr>
+          </a:lstStyle>
+          <a:p>
+            <a:fld id="{84DF129D-6904-4B1D-B8C9-15C55F7D4304}" type="slidenum">
+              <a:rPr lang="en-US" smtClean="0"/>
+              <a:t>‹#›</a:t>
+            </a:fld>
+            <a:endParaRPr lang="en-US"/>
+          </a:p>
+        </p:txBody>
+      </p:sp>
+    </p:spTree>
+    <p:extLst>
+      <p:ext uri="{BB962C8B-B14F-4D97-AF65-F5344CB8AC3E}">
+        <p14:creationId xmlns:p14="http://schemas.microsoft.com/office/powerpoint/2010/main" val="1541063172"/>
+      </p:ext>
+    </p:extLst>
+  </p:cSld>
+  <p:clrMap bg1="lt1" tx1="dk1" bg2="lt2" tx2="dk2" accent1="accent1" accent2="accent2" accent3="accent3" accent4="accent4" accent5="accent5" accent6="accent6" hlink="hlink" folHlink="folHlink"/>
+  <p:notesStyle>
+    <a:lvl1pPr marL="0" algn="l" defTabSz="914400" rtl="0" eaLnBrk="1" latinLnBrk="0" hangingPunct="1">
+      <a:defRPr sz="1200" kern="1200">
+        <a:solidFill>
+          <a:schemeClr val="tx1"/>
+        </a:solidFill>
+        <a:latin typeface="+mn-lt"/>
+        <a:ea typeface="+mn-ea"/>
+        <a:cs typeface="+mn-cs"/>
+      </a:defRPr>
+    </a:lvl1pPr>
+    <a:lvl2pPr marL="457200" algn="l" defTabSz="914400" rtl="0" eaLnBrk="1" latinLnBrk="0" hangingPunct="1">
+      <a:defRPr sz="1200" kern="1200">
+        <a:solidFill>
+          <a:schemeClr val="tx1"/>
+        </a:solidFill>
+        <a:latin typeface="+mn-lt"/>
+        <a:ea typeface="+mn-ea"/>
+        <a:cs typeface="+mn-cs"/>
+      </a:defRPr>
+    </a:lvl2pPr>
+    <a:lvl3pPr marL="914400" algn="l" defTabSz="914400" rtl="0" eaLnBrk="1" latinLnBrk="0" hangingPunct="1">
+      <a:defRPr sz="1200" kern="1200">
+        <a:solidFill>
+          <a:schemeClr val="tx1"/>
+        </a:solidFill>
+        <a:latin typeface="+mn-lt"/>
+        <a:ea typeface="+mn-ea"/>
+        <a:cs typeface="+mn-cs"/>
+      </a:defRPr>
+    </a:lvl3pPr>
+    <a:lvl4pPr marL="1371600" algn="l" defTabSz="914400" rtl="0" eaLnBrk="1" latinLnBrk="0" hangingPunct="1">
+      <a:defRPr sz="1200" kern="1200">
+        <a:solidFill>
+          <a:schemeClr val="tx1"/>
+        </a:solidFill>
+        <a:latin typeface="+mn-lt"/>
+        <a:ea typeface="+mn-ea"/>
+        <a:cs typeface="+mn-cs"/>
+      </a:defRPr>
+    </a:lvl4pPr>
+    <a:lvl5pPr marL="1828800" algn="l" defTabSz="914400" rtl="0" eaLnBrk="1" latinLnBrk="0" hangingPunct="1">
+      <a:defRPr sz="1200" kern="1200">
+        <a:solidFill>
+          <a:schemeClr val="tx1"/>
+        </a:solidFill>
+        <a:latin typeface="+mn-lt"/>
+        <a:ea typeface="+mn-ea"/>
+        <a:cs typeface="+mn-cs"/>
+      </a:defRPr>
+    </a:lvl5pPr>
+    <a:lvl6pPr marL="2286000" algn="l" defTabSz="914400" rtl="0" eaLnBrk="1" latinLnBrk="0" hangingPunct="1">
+      <a:defRPr sz="1200" kern="1200">
+        <a:solidFill>
+          <a:schemeClr val="tx1"/>
+        </a:solidFill>
+        <a:latin typeface="+mn-lt"/>
+        <a:ea typeface="+mn-ea"/>
+        <a:cs typeface="+mn-cs"/>
+      </a:defRPr>
+    </a:lvl6pPr>
+    <a:lvl7pPr marL="2743200" algn="l" defTabSz="914400" rtl="0" eaLnBrk="1" latinLnBrk="0" hangingPunct="1">
+      <a:defRPr sz="1200" kern="1200">
+        <a:solidFill>
+          <a:schemeClr val="tx1"/>
+        </a:solidFill>
+        <a:latin typeface="+mn-lt"/>
+        <a:ea typeface="+mn-ea"/>
+        <a:cs typeface="+mn-cs"/>
+      </a:defRPr>
+    </a:lvl7pPr>
+    <a:lvl8pPr marL="3200400" algn="l" defTabSz="914400" rtl="0" eaLnBrk="1" latinLnBrk="0" hangingPunct="1">
+      <a:defRPr sz="1200" kern="1200">
+        <a:solidFill>
+          <a:schemeClr val="tx1"/>
+        </a:solidFill>
+        <a:latin typeface="+mn-lt"/>
+        <a:ea typeface="+mn-ea"/>
+        <a:cs typeface="+mn-cs"/>
+      </a:defRPr>
+    </a:lvl8pPr>
+    <a:lvl9pPr marL="3657600" algn="l" defTabSz="914400" rtl="0" eaLnBrk="1" latinLnBrk="0" hangingPunct="1">
+      <a:defRPr sz="1200" kern="1200">
+        <a:solidFill>
+          <a:schemeClr val="tx1"/>
+        </a:solidFill>
+        <a:latin typeface="+mn-lt"/>
+        <a:ea typeface="+mn-ea"/>
+        <a:cs typeface="+mn-cs"/>
+      </a:defRPr>
+    </a:lvl9pPr>
+  </p:notesStyle>
+</p:notesMaster>
+</file>
+
+<file path=ppt/notesSlides/notesSlide1.xml><?xml version="1.0" encoding="utf-8"?>
+<p:notes xmlns:a="http://schemas.openxmlformats.org/drawingml/2006/main" xmlns:r="http://schemas.openxmlformats.org/officeDocument/2006/relationships" xmlns:p="http://schemas.openxmlformats.org/presentationml/2006/main">
+  <p:cSld>
+    <p:spTree>
+      <p:nvGrpSpPr>
+        <p:cNvPr id="1" name=""/>
+        <p:cNvGrpSpPr/>
+        <p:nvPr/>
+      </p:nvGrpSpPr>
+      <p:grpSpPr>
+        <a:xfrm>
+          <a:off x="0" y="0"/>
+          <a:ext cx="0" cy="0"/>
+          <a:chOff x="0" y="0"/>
+          <a:chExt cx="0" cy="0"/>
+        </a:xfrm>
+      </p:grpSpPr>
+      <p:sp>
+        <p:nvSpPr>
+          <p:cNvPr id="2" name="Slide Image Placeholder 1"/>
+          <p:cNvSpPr>
+            <a:spLocks noGrp="1" noRot="1" noChangeAspect="1"/>
+          </p:cNvSpPr>
+          <p:nvPr>
+            <p:ph type="sldImg"/>
+          </p:nvPr>
+        </p:nvSpPr>
+        <p:spPr/>
+      </p:sp>
+      <p:sp>
+        <p:nvSpPr>
+          <p:cNvPr id="3" name="Notes Placeholder 2"/>
+          <p:cNvSpPr>
+            <a:spLocks noGrp="1"/>
+          </p:cNvSpPr>
+          <p:nvPr>
+            <p:ph type="body" idx="1"/>
+          </p:nvPr>
+        </p:nvSpPr>
+        <p:spPr/>
+        <p:txBody>
+          <a:bodyPr/>
+          <a:lstStyle/>
+          <a:p>
+            <a:endParaRPr lang="en-US" dirty="0"/>
+          </a:p>
+        </p:txBody>
+      </p:sp>
+      <p:sp>
+        <p:nvSpPr>
+          <p:cNvPr id="4" name="Slide Number Placeholder 3"/>
+          <p:cNvSpPr>
+            <a:spLocks noGrp="1"/>
+          </p:cNvSpPr>
+          <p:nvPr>
+            <p:ph type="sldNum" sz="quarter" idx="10"/>
+          </p:nvPr>
+        </p:nvSpPr>
+        <p:spPr/>
+        <p:txBody>
+          <a:bodyPr/>
+          <a:lstStyle/>
+          <a:p>
+            <a:fld id="{84DF129D-6904-4B1D-B8C9-15C55F7D4304}" type="slidenum">
+              <a:rPr lang="en-US" smtClean="0"/>
+              <a:t>1</a:t>
+            </a:fld>
+            <a:endParaRPr lang="en-US" dirty="0"/>
+          </a:p>
+        </p:txBody>
+      </p:sp>
+    </p:spTree>
+    <p:extLst>
+      <p:ext uri="{BB962C8B-B14F-4D97-AF65-F5344CB8AC3E}">
+        <p14:creationId xmlns:p14="http://schemas.microsoft.com/office/powerpoint/2010/main" val="995394186"/>
+      </p:ext>
+    </p:extLst>
+  </p:cSld>
+  <p:clrMapOvr>
+    <a:masterClrMapping/>
+  </p:clrMapOvr>
+</p:notes>
+</file>
+
 <file path=ppt/slideLayouts/slideLayout1.xml><?xml version="1.0" encoding="utf-8"?>
 <p:sldLayout xmlns:a="http://schemas.openxmlformats.org/drawingml/2006/main" xmlns:r="http://schemas.openxmlformats.org/officeDocument/2006/relationships" xmlns:p="http://schemas.openxmlformats.org/presentationml/2006/main" type="title" preserve="1">
   <p:cSld name="Title Slide">
@@ -2766,7 +3203,7 @@
               <a:rPr lang="en-US" smtClean="0"/>
               <a:t>2/19/2020</a:t>
             </a:fld>
-            <a:endParaRPr lang="en-US"/>
+            <a:endParaRPr lang="en-US" dirty="0"/>
           </a:p>
         </p:txBody>
       </p:sp>
@@ -2803,7 +3240,7 @@
             </a:lvl1pPr>
           </a:lstStyle>
           <a:p>
-            <a:endParaRPr lang="en-US"/>
+            <a:endParaRPr lang="en-US" dirty="0"/>
           </a:p>
         </p:txBody>
       </p:sp>
@@ -2844,7 +3281,7 @@
               <a:rPr lang="en-US" smtClean="0"/>
               <a:t>‹#›</a:t>
             </a:fld>
-            <a:endParaRPr lang="en-US"/>
+            <a:endParaRPr lang="en-US" dirty="0"/>
           </a:p>
         </p:txBody>
       </p:sp>
@@ -2955,12 +3392,28 @@
           <a:p>
             <a:pPr algn="l"/>
             <a:r>
-              <a:rPr sz="4880" smtId="4294967295">
+              <a:rPr sz="4880" dirty="0" smtId="4294967295">
                 <a:solidFill>
                   <a:srgbClr val="808080"/>
                 </a:solidFill>
               </a:rPr>
-              <a:t>Template ID: comprehensivecrimson  Size: 36x36</a:t>
+              <a:t>Template ID: </a:t>
+            </a:r>
+            <a:r>
+              <a:rPr sz="4880" dirty="0" err="1" smtId="4294967295">
+                <a:solidFill>
+                  <a:srgbClr val="808080"/>
+                </a:solidFill>
+              </a:rPr>
+              <a:t>comprehensivecrimson</a:t>
+            </a:r>
+            <a:r>
+              <a:rPr sz="4880" dirty="0" smtId="4294967295">
+                <a:solidFill>
+                  <a:srgbClr val="808080"/>
+                </a:solidFill>
+              </a:rPr>
+              <a:t>  Size: 36x36</a:t>
             </a:r>
           </a:p>
         </p:txBody>
@@ -3265,7 +3718,7 @@
         </p:nvSpPr>
         <p:spPr>
           <a:xfrm>
-            <a:off x="152400" y="4308643"/>
+            <a:off x="152399" y="4751029"/>
             <a:ext cx="32918400" cy="28803600"/>
           </a:xfrm>
           <a:prstGeom prst="rect">
@@ -3307,7 +3760,11 @@
           <a:lstStyle/>
           <a:p>
             <a:pPr algn="ctr"/>
-            <a:endParaRPr lang="en-US" sz="6450"/>
+            <a:r>
+              <a:rPr lang="sr-Cyrl-RS" sz="6450" dirty="0" smtClean="0"/>
+              <a:t> </a:t>
+            </a:r>
+            <a:endParaRPr lang="en-US" sz="6450" dirty="0"/>
           </a:p>
         </p:txBody>
       </p:sp>
@@ -3428,7 +3885,7 @@
             <a:lstStyle/>
             <a:p>
               <a:pPr algn="ctr"/>
-              <a:endParaRPr lang="en-US" sz="6450"/>
+              <a:endParaRPr lang="en-US" sz="6450" dirty="0"/>
             </a:p>
           </p:txBody>
         </p:sp>
@@ -3529,7 +3986,7 @@
             <a:lstStyle/>
             <a:p>
               <a:pPr algn="ctr"/>
-              <a:endParaRPr lang="en-US" sz="6450"/>
+              <a:endParaRPr lang="en-US" sz="6450" dirty="0"/>
             </a:p>
           </p:txBody>
         </p:sp>
@@ -3628,7 +4085,7 @@
             <a:lstStyle/>
             <a:p>
               <a:pPr algn="ctr"/>
-              <a:endParaRPr lang="en-US" sz="6450"/>
+              <a:endParaRPr lang="en-US" sz="6450" dirty="0"/>
             </a:p>
           </p:txBody>
         </p:sp>
@@ -3814,7 +4271,7 @@
               <a:defRPr/>
             </a:pPr>
             <a:r>
-              <a:rPr lang="sr-Cyrl-RS" sz="6400" dirty="0" smtClean="0">
+              <a:rPr lang="sr-Cyrl-RS" sz="8000" b="1" dirty="0" smtClean="0">
                 <a:solidFill>
                   <a:srgbClr val="2D3C50"/>
                 </a:solidFill>
@@ -3823,7 +4280,7 @@
               </a:rPr>
               <a:t>Употреба неуронске мреже у класификацији слика</a:t>
             </a:r>
-            <a:endParaRPr lang="en-US" sz="6400" dirty="0">
+            <a:endParaRPr lang="en-US" sz="8000" b="1" dirty="0">
               <a:solidFill>
                 <a:srgbClr val="2D3C50"/>
               </a:solidFill>
@@ -4075,8 +4532,8 @@
         </p:nvSpPr>
         <p:spPr>
           <a:xfrm>
-            <a:off x="748353" y="6748169"/>
-            <a:ext cx="9812833" cy="6529667"/>
+            <a:off x="748353" y="7802948"/>
+            <a:ext cx="9923197" cy="6962130"/>
           </a:xfrm>
           <a:prstGeom prst="rect">
             <a:avLst/>
@@ -4109,7 +4566,7 @@
           <a:lstStyle/>
           <a:p>
             <a:pPr algn="ctr"/>
-            <a:endParaRPr lang="en-US" sz="4050" b="1">
+            <a:endParaRPr lang="en-US" sz="4050" b="1" dirty="0">
               <a:solidFill>
                 <a:schemeClr val="bg1"/>
               </a:solidFill>
@@ -4126,6 +4583,548 @@
         <p:spPr>
           <a:xfrm>
             <a:off x="748353" y="6633033"/>
+            <a:ext cx="9923197" cy="914400"/>
+          </a:xfrm>
+          <a:prstGeom prst="rect">
+            <a:avLst/>
+          </a:prstGeom>
+          <a:solidFill>
+            <a:schemeClr val="bg1"/>
+          </a:solidFill>
+          <a:ln>
+            <a:noFill/>
+          </a:ln>
+        </p:spPr>
+        <p:style>
+          <a:lnRef idx="2">
+            <a:schemeClr val="accent1">
+              <a:shade val="50000"/>
+            </a:schemeClr>
+          </a:lnRef>
+          <a:fillRef idx="1">
+            <a:schemeClr val="accent1"/>
+          </a:fillRef>
+          <a:effectRef idx="0">
+            <a:schemeClr val="accent1"/>
+          </a:effectRef>
+          <a:fontRef idx="minor">
+            <a:schemeClr val="lt1"/>
+          </a:fontRef>
+        </p:style>
+        <p:txBody>
+          <a:bodyPr rtlCol="0" anchor="ctr"/>
+          <a:lstStyle/>
+          <a:p>
+            <a:pPr algn="ctr"/>
+            <a:r>
+              <a:rPr lang="sr-Cyrl-RS" sz="3600" dirty="0" smtClean="0">
+                <a:solidFill>
+                  <a:srgbClr val="2D3C50"/>
+                </a:solidFill>
+                <a:latin typeface="Bree Serif" panose="02000503040000020004" pitchFamily="2" charset="0"/>
+              </a:rPr>
+              <a:t>Увод</a:t>
+            </a:r>
+            <a:endParaRPr lang="en-US" sz="3600" dirty="0">
+              <a:solidFill>
+                <a:srgbClr val="2D3C50"/>
+              </a:solidFill>
+              <a:latin typeface="Bree Serif" panose="02000503040000020004" pitchFamily="2" charset="0"/>
+            </a:endParaRPr>
+          </a:p>
+        </p:txBody>
+      </p:sp>
+      <p:sp>
+        <p:nvSpPr>
+          <p:cNvPr id="32" name="TextBox 31"/>
+          <p:cNvSpPr txBox="1"/>
+          <p:nvPr/>
+        </p:nvSpPr>
+        <p:spPr>
+          <a:xfrm>
+            <a:off x="946580" y="7848238"/>
+            <a:ext cx="9392828" cy="6894195"/>
+          </a:xfrm>
+          <a:prstGeom prst="rect">
+            <a:avLst/>
+          </a:prstGeom>
+          <a:noFill/>
+        </p:spPr>
+        <p:txBody>
+          <a:bodyPr wrap="square" rtlCol="0">
+            <a:spAutoFit/>
+          </a:bodyPr>
+          <a:lstStyle/>
+          <a:p>
+            <a:pPr lvl="0" algn="just"/>
+            <a:r>
+              <a:rPr lang="sr-Cyrl-RS" sz="2600" dirty="0" smtClean="0">
+                <a:solidFill>
+                  <a:schemeClr val="bg1"/>
+                </a:solidFill>
+                <a:latin typeface="Open Sans" panose="020B0606030504020204" pitchFamily="34" charset="0"/>
+                <a:ea typeface="Open Sans" panose="020B0606030504020204" pitchFamily="34" charset="0"/>
+                <a:cs typeface="Open Sans" panose="020B0606030504020204" pitchFamily="34" charset="0"/>
+              </a:rPr>
+              <a:t>Улазни подаци састоје се од 320 различитих фотографија цвећа. Укупно се појављује 5 различитих типова цвета а сваки тип, заједно са називом слике на којој се налази описан је у улазном документу који садржи исправне информације о називу сваког цвета на свакој слици.</a:t>
+            </a:r>
+            <a:endParaRPr lang="sr-Cyrl-RS" sz="2600" dirty="0" smtClean="0">
+              <a:solidFill>
+                <a:schemeClr val="bg1"/>
+              </a:solidFill>
+              <a:latin typeface="Open Sans" panose="020B0606030504020204" pitchFamily="34" charset="0"/>
+              <a:ea typeface="Open Sans" panose="020B0606030504020204" pitchFamily="34" charset="0"/>
+              <a:cs typeface="Open Sans" panose="020B0606030504020204" pitchFamily="34" charset="0"/>
+            </a:endParaRPr>
+          </a:p>
+          <a:p>
+            <a:pPr lvl="0" algn="just"/>
+            <a:r>
+              <a:rPr lang="sr-Cyrl-RS" sz="2600" dirty="0" smtClean="0">
+                <a:solidFill>
+                  <a:schemeClr val="bg1"/>
+                </a:solidFill>
+                <a:latin typeface="Open Sans" panose="020B0606030504020204" pitchFamily="34" charset="0"/>
+                <a:ea typeface="Open Sans" panose="020B0606030504020204" pitchFamily="34" charset="0"/>
+                <a:cs typeface="Open Sans" panose="020B0606030504020204" pitchFamily="34" charset="0"/>
+              </a:rPr>
+              <a:t>Овај скуп података се користи за тренинг класификатора.</a:t>
+            </a:r>
+            <a:endParaRPr lang="sr-Cyrl-RS" sz="2600" dirty="0" smtClean="0">
+              <a:solidFill>
+                <a:schemeClr val="bg1"/>
+              </a:solidFill>
+              <a:latin typeface="Open Sans" panose="020B0606030504020204" pitchFamily="34" charset="0"/>
+              <a:ea typeface="Open Sans" panose="020B0606030504020204" pitchFamily="34" charset="0"/>
+              <a:cs typeface="Open Sans" panose="020B0606030504020204" pitchFamily="34" charset="0"/>
+            </a:endParaRPr>
+          </a:p>
+          <a:p>
+            <a:pPr lvl="0" algn="just"/>
+            <a:r>
+              <a:rPr lang="sr-Cyrl-RS" sz="2600" dirty="0" smtClean="0">
+                <a:solidFill>
+                  <a:schemeClr val="bg1"/>
+                </a:solidFill>
+                <a:latin typeface="Open Sans" panose="020B0606030504020204" pitchFamily="34" charset="0"/>
+                <a:ea typeface="Open Sans" panose="020B0606030504020204" pitchFamily="34" charset="0"/>
+                <a:cs typeface="Open Sans" panose="020B0606030504020204" pitchFamily="34" charset="0"/>
+              </a:rPr>
+              <a:t/>
+            </a:r>
+            <a:br>
+              <a:rPr lang="sr-Cyrl-RS" sz="2600" dirty="0" smtClean="0">
+                <a:solidFill>
+                  <a:schemeClr val="bg1"/>
+                </a:solidFill>
+                <a:latin typeface="Open Sans" panose="020B0606030504020204" pitchFamily="34" charset="0"/>
+                <a:ea typeface="Open Sans" panose="020B0606030504020204" pitchFamily="34" charset="0"/>
+                <a:cs typeface="Open Sans" panose="020B0606030504020204" pitchFamily="34" charset="0"/>
+              </a:rPr>
+            </a:br>
+            <a:r>
+              <a:rPr lang="sr-Cyrl-RS" sz="2600" dirty="0" smtClean="0">
+                <a:solidFill>
+                  <a:schemeClr val="bg1"/>
+                </a:solidFill>
+                <a:latin typeface="Open Sans" panose="020B0606030504020204" pitchFamily="34" charset="0"/>
+                <a:ea typeface="Open Sans" panose="020B0606030504020204" pitchFamily="34" charset="0"/>
+                <a:cs typeface="Open Sans" panose="020B0606030504020204" pitchFamily="34" charset="0"/>
+              </a:rPr>
+              <a:t>Тест скуп података састоји се од 80 различитих фотографија цветова из истих оних 5 различитих типова. </a:t>
+            </a:r>
+            <a:r>
+              <a:rPr lang="sr-Cyrl-RS" sz="2600" dirty="0" smtClean="0">
+                <a:solidFill>
+                  <a:schemeClr val="bg1"/>
+                </a:solidFill>
+                <a:latin typeface="Open Sans" panose="020B0606030504020204" pitchFamily="34" charset="0"/>
+                <a:ea typeface="Open Sans" panose="020B0606030504020204" pitchFamily="34" charset="0"/>
+                <a:cs typeface="Open Sans" panose="020B0606030504020204" pitchFamily="34" charset="0"/>
+              </a:rPr>
+              <a:t>Такође уз тест директоријум са сликама налази се и тест документ са информацијама о називу сваког цвета на свакој тест слици.</a:t>
+            </a:r>
+          </a:p>
+          <a:p>
+            <a:pPr lvl="0" algn="just"/>
+            <a:endParaRPr lang="sr-Cyrl-RS" sz="2600" dirty="0">
+              <a:solidFill>
+                <a:schemeClr val="bg1"/>
+              </a:solidFill>
+              <a:latin typeface="Open Sans" panose="020B0606030504020204" pitchFamily="34" charset="0"/>
+              <a:ea typeface="Open Sans" panose="020B0606030504020204" pitchFamily="34" charset="0"/>
+              <a:cs typeface="Open Sans" panose="020B0606030504020204" pitchFamily="34" charset="0"/>
+            </a:endParaRPr>
+          </a:p>
+          <a:p>
+            <a:pPr lvl="0" algn="just"/>
+            <a:r>
+              <a:rPr lang="sr-Cyrl-RS" sz="2600" dirty="0" smtClean="0">
+                <a:solidFill>
+                  <a:schemeClr val="bg1"/>
+                </a:solidFill>
+                <a:latin typeface="Open Sans" panose="020B0606030504020204" pitchFamily="34" charset="0"/>
+                <a:ea typeface="Open Sans" panose="020B0606030504020204" pitchFamily="34" charset="0"/>
+                <a:cs typeface="Open Sans" panose="020B0606030504020204" pitchFamily="34" charset="0"/>
+              </a:rPr>
+              <a:t>Тренинг скуп и тест скуп су међусобно дисјунктни.</a:t>
+            </a:r>
+            <a:endParaRPr lang="en-US" sz="2600" dirty="0" smtClean="0">
+              <a:solidFill>
+                <a:schemeClr val="bg1"/>
+              </a:solidFill>
+              <a:latin typeface="Open Sans" panose="020B0606030504020204" pitchFamily="34" charset="0"/>
+              <a:ea typeface="Open Sans" panose="020B0606030504020204" pitchFamily="34" charset="0"/>
+              <a:cs typeface="Open Sans" panose="020B0606030504020204" pitchFamily="34" charset="0"/>
+            </a:endParaRPr>
+          </a:p>
+          <a:p>
+            <a:pPr lvl="0" algn="just"/>
+            <a:endParaRPr lang="en-US" sz="2600" dirty="0">
+              <a:solidFill>
+                <a:schemeClr val="bg1"/>
+              </a:solidFill>
+              <a:latin typeface="Open Sans" panose="020B0606030504020204" pitchFamily="34" charset="0"/>
+              <a:ea typeface="Open Sans" panose="020B0606030504020204" pitchFamily="34" charset="0"/>
+              <a:cs typeface="Open Sans" panose="020B0606030504020204" pitchFamily="34" charset="0"/>
+            </a:endParaRPr>
+          </a:p>
+        </p:txBody>
+      </p:sp>
+      <p:sp>
+        <p:nvSpPr>
+          <p:cNvPr id="33" name="TextBox 32"/>
+          <p:cNvSpPr txBox="1"/>
+          <p:nvPr/>
+        </p:nvSpPr>
+        <p:spPr>
+          <a:xfrm>
+            <a:off x="965630" y="21222891"/>
+            <a:ext cx="9926323" cy="11695509"/>
+          </a:xfrm>
+          <a:prstGeom prst="rect">
+            <a:avLst/>
+          </a:prstGeom>
+          <a:solidFill>
+            <a:srgbClr val="2D3C50"/>
+          </a:solidFill>
+        </p:spPr>
+        <p:txBody>
+          <a:bodyPr wrap="square" rtlCol="0">
+            <a:spAutoFit/>
+          </a:bodyPr>
+          <a:lstStyle/>
+          <a:p>
+            <a:pPr lvl="0" algn="just"/>
+            <a:r>
+              <a:rPr lang="sr-Cyrl-RS" sz="2600" dirty="0" smtClean="0">
+                <a:solidFill>
+                  <a:schemeClr val="bg1"/>
+                </a:solidFill>
+                <a:latin typeface="Open Sans" panose="020B0606030504020204" pitchFamily="34" charset="0"/>
+                <a:ea typeface="Open Sans" panose="020B0606030504020204" pitchFamily="34" charset="0"/>
+                <a:cs typeface="Open Sans" panose="020B0606030504020204" pitchFamily="34" charset="0"/>
+              </a:rPr>
+              <a:t>На почетку су подаци учитани на начин који је обезбедио правилан и паралелан поредак назива цветова са одговарајућим фотографијама из тренинг скупа.</a:t>
+            </a:r>
+            <a:br>
+              <a:rPr lang="sr-Cyrl-RS" sz="2600" dirty="0" smtClean="0">
+                <a:solidFill>
+                  <a:schemeClr val="bg1"/>
+                </a:solidFill>
+                <a:latin typeface="Open Sans" panose="020B0606030504020204" pitchFamily="34" charset="0"/>
+                <a:ea typeface="Open Sans" panose="020B0606030504020204" pitchFamily="34" charset="0"/>
+                <a:cs typeface="Open Sans" panose="020B0606030504020204" pitchFamily="34" charset="0"/>
+              </a:rPr>
+            </a:br>
+            <a:r>
+              <a:rPr lang="sr-Cyrl-RS" sz="2600" dirty="0" smtClean="0">
+                <a:solidFill>
+                  <a:schemeClr val="bg1"/>
+                </a:solidFill>
+                <a:latin typeface="Open Sans" panose="020B0606030504020204" pitchFamily="34" charset="0"/>
+                <a:ea typeface="Open Sans" panose="020B0606030504020204" pitchFamily="34" charset="0"/>
+                <a:cs typeface="Open Sans" panose="020B0606030504020204" pitchFamily="34" charset="0"/>
+              </a:rPr>
+              <a:t>То је учињено тако што су потребни подаци прво читани из </a:t>
+            </a:r>
+            <a:r>
+              <a:rPr lang="en-US" sz="2600" dirty="0" smtClean="0">
+                <a:solidFill>
+                  <a:schemeClr val="bg1"/>
+                </a:solidFill>
+                <a:latin typeface="Open Sans" panose="020B0606030504020204" pitchFamily="34" charset="0"/>
+                <a:ea typeface="Open Sans" panose="020B0606030504020204" pitchFamily="34" charset="0"/>
+                <a:cs typeface="Open Sans" panose="020B0606030504020204" pitchFamily="34" charset="0"/>
+              </a:rPr>
+              <a:t>‘</a:t>
+            </a:r>
+            <a:r>
+              <a:rPr lang="en-US" sz="2600" i="1" dirty="0" err="1" smtClean="0">
+                <a:solidFill>
+                  <a:schemeClr val="bg1"/>
+                </a:solidFill>
+                <a:latin typeface="Open Sans" panose="020B0606030504020204" pitchFamily="34" charset="0"/>
+                <a:ea typeface="Open Sans" panose="020B0606030504020204" pitchFamily="34" charset="0"/>
+                <a:cs typeface="Open Sans" panose="020B0606030504020204" pitchFamily="34" charset="0"/>
+              </a:rPr>
+              <a:t>csv</a:t>
+            </a:r>
+            <a:r>
+              <a:rPr lang="en-US" sz="2600" dirty="0" smtClean="0">
+                <a:solidFill>
+                  <a:schemeClr val="bg1"/>
+                </a:solidFill>
+                <a:latin typeface="Open Sans" panose="020B0606030504020204" pitchFamily="34" charset="0"/>
+                <a:ea typeface="Open Sans" panose="020B0606030504020204" pitchFamily="34" charset="0"/>
+                <a:cs typeface="Open Sans" panose="020B0606030504020204" pitchFamily="34" charset="0"/>
+              </a:rPr>
+              <a:t>’ </a:t>
+            </a:r>
+            <a:r>
+              <a:rPr lang="sr-Cyrl-RS" sz="2600" dirty="0" smtClean="0">
+                <a:solidFill>
+                  <a:schemeClr val="bg1"/>
+                </a:solidFill>
+                <a:latin typeface="Open Sans" panose="020B0606030504020204" pitchFamily="34" charset="0"/>
+                <a:ea typeface="Open Sans" panose="020B0606030504020204" pitchFamily="34" charset="0"/>
+                <a:cs typeface="Open Sans" panose="020B0606030504020204" pitchFamily="34" charset="0"/>
+              </a:rPr>
+              <a:t>датотеке и коришћени да се паралелно пронађе фотографија са датим називом и назив њеног цвета (односно лабела) и да се паралелно похране у одговарајућу колекцију података.</a:t>
+            </a:r>
+          </a:p>
+          <a:p>
+            <a:pPr lvl="0" algn="just"/>
+            <a:endParaRPr lang="sr-Cyrl-RS" sz="2600" dirty="0">
+              <a:solidFill>
+                <a:schemeClr val="bg1"/>
+              </a:solidFill>
+              <a:latin typeface="Open Sans" panose="020B0606030504020204" pitchFamily="34" charset="0"/>
+              <a:ea typeface="Open Sans" panose="020B0606030504020204" pitchFamily="34" charset="0"/>
+              <a:cs typeface="Open Sans" panose="020B0606030504020204" pitchFamily="34" charset="0"/>
+            </a:endParaRPr>
+          </a:p>
+          <a:p>
+            <a:pPr lvl="0" algn="just"/>
+            <a:r>
+              <a:rPr lang="sr-Cyrl-RS" sz="2600" dirty="0" smtClean="0">
+                <a:solidFill>
+                  <a:schemeClr val="bg1"/>
+                </a:solidFill>
+                <a:latin typeface="Open Sans" panose="020B0606030504020204" pitchFamily="34" charset="0"/>
+                <a:ea typeface="Open Sans" panose="020B0606030504020204" pitchFamily="34" charset="0"/>
+                <a:cs typeface="Open Sans" panose="020B0606030504020204" pitchFamily="34" charset="0"/>
+              </a:rPr>
+              <a:t>На идентичан начин на почетку програма учитани су и тест подаци.</a:t>
+            </a:r>
+          </a:p>
+          <a:p>
+            <a:pPr lvl="0" algn="just"/>
+            <a:r>
+              <a:rPr lang="sr-Cyrl-RS" sz="2600" dirty="0" smtClean="0">
+                <a:solidFill>
+                  <a:schemeClr val="bg1"/>
+                </a:solidFill>
+                <a:latin typeface="Open Sans" panose="020B0606030504020204" pitchFamily="34" charset="0"/>
+                <a:ea typeface="Open Sans" panose="020B0606030504020204" pitchFamily="34" charset="0"/>
+                <a:cs typeface="Open Sans" panose="020B0606030504020204" pitchFamily="34" charset="0"/>
+              </a:rPr>
+              <a:t>Како су прочитане фотографије? Свака од фотографија има своју независну резолуцију, било је од користи скалирати их на подједнаку резолуцију што је и учињено и након читања резолуција похрањених фотографија износи </a:t>
+            </a:r>
+            <a:r>
+              <a:rPr lang="sr-Cyrl-RS" sz="2600" b="1" dirty="0" smtClean="0">
+                <a:solidFill>
+                  <a:schemeClr val="bg1"/>
+                </a:solidFill>
+                <a:latin typeface="Open Sans" panose="020B0606030504020204" pitchFamily="34" charset="0"/>
+                <a:ea typeface="Open Sans" panose="020B0606030504020204" pitchFamily="34" charset="0"/>
+                <a:cs typeface="Open Sans" panose="020B0606030504020204" pitchFamily="34" charset="0"/>
+              </a:rPr>
+              <a:t>100</a:t>
+            </a:r>
+            <a:r>
+              <a:rPr lang="en-US" sz="2600" b="1" dirty="0" smtClean="0">
+                <a:solidFill>
+                  <a:schemeClr val="bg1"/>
+                </a:solidFill>
+                <a:latin typeface="Open Sans" panose="020B0606030504020204" pitchFamily="34" charset="0"/>
+                <a:ea typeface="Open Sans" panose="020B0606030504020204" pitchFamily="34" charset="0"/>
+                <a:cs typeface="Open Sans" panose="020B0606030504020204" pitchFamily="34" charset="0"/>
+              </a:rPr>
+              <a:t>X </a:t>
+            </a:r>
+            <a:r>
+              <a:rPr lang="sr-Cyrl-RS" sz="2600" b="1" dirty="0" smtClean="0">
+                <a:solidFill>
+                  <a:schemeClr val="bg1"/>
+                </a:solidFill>
+                <a:latin typeface="Open Sans" panose="020B0606030504020204" pitchFamily="34" charset="0"/>
+                <a:ea typeface="Open Sans" panose="020B0606030504020204" pitchFamily="34" charset="0"/>
+                <a:cs typeface="Open Sans" panose="020B0606030504020204" pitchFamily="34" charset="0"/>
+              </a:rPr>
+              <a:t>100</a:t>
+            </a:r>
+            <a:r>
+              <a:rPr lang="en-US" sz="2600" b="1" dirty="0" smtClean="0">
+                <a:solidFill>
+                  <a:schemeClr val="bg1"/>
+                </a:solidFill>
+                <a:latin typeface="Open Sans" panose="020B0606030504020204" pitchFamily="34" charset="0"/>
+                <a:ea typeface="Open Sans" panose="020B0606030504020204" pitchFamily="34" charset="0"/>
+                <a:cs typeface="Open Sans" panose="020B0606030504020204" pitchFamily="34" charset="0"/>
+              </a:rPr>
+              <a:t>. </a:t>
+            </a:r>
+            <a:r>
+              <a:rPr lang="sr-Cyrl-RS" sz="2600" dirty="0" smtClean="0">
+                <a:solidFill>
+                  <a:schemeClr val="bg1"/>
+                </a:solidFill>
+                <a:latin typeface="Open Sans" panose="020B0606030504020204" pitchFamily="34" charset="0"/>
+                <a:ea typeface="Open Sans" panose="020B0606030504020204" pitchFamily="34" charset="0"/>
+                <a:cs typeface="Open Sans" panose="020B0606030504020204" pitchFamily="34" charset="0"/>
+              </a:rPr>
+              <a:t>Када говоримо о карактеристикама и посебности сваког цвета морамо узети у обзир и његову боју, из тог разлога слике су учитане у боји, </a:t>
+            </a:r>
+            <a:r>
+              <a:rPr lang="en-US" sz="2600" i="1" dirty="0" smtClean="0">
+                <a:solidFill>
+                  <a:schemeClr val="bg1"/>
+                </a:solidFill>
+                <a:latin typeface="Open Sans" panose="020B0606030504020204" pitchFamily="34" charset="0"/>
+                <a:ea typeface="Open Sans" panose="020B0606030504020204" pitchFamily="34" charset="0"/>
+                <a:cs typeface="Open Sans" panose="020B0606030504020204" pitchFamily="34" charset="0"/>
+              </a:rPr>
+              <a:t>‘RGB’.</a:t>
+            </a:r>
+            <a:endParaRPr lang="sr-Cyrl-RS" sz="2600" b="1" i="1" dirty="0" smtClean="0">
+              <a:solidFill>
+                <a:schemeClr val="bg1"/>
+              </a:solidFill>
+              <a:latin typeface="Open Sans" panose="020B0606030504020204" pitchFamily="34" charset="0"/>
+              <a:ea typeface="Open Sans" panose="020B0606030504020204" pitchFamily="34" charset="0"/>
+              <a:cs typeface="Open Sans" panose="020B0606030504020204" pitchFamily="34" charset="0"/>
+            </a:endParaRPr>
+          </a:p>
+          <a:p>
+            <a:pPr lvl="0" algn="just"/>
+            <a:endParaRPr lang="sr-Cyrl-RS" sz="2600" dirty="0" smtClean="0">
+              <a:solidFill>
+                <a:schemeClr val="bg1"/>
+              </a:solidFill>
+              <a:latin typeface="Open Sans" panose="020B0606030504020204" pitchFamily="34" charset="0"/>
+              <a:ea typeface="Open Sans" panose="020B0606030504020204" pitchFamily="34" charset="0"/>
+              <a:cs typeface="Open Sans" panose="020B0606030504020204" pitchFamily="34" charset="0"/>
+            </a:endParaRPr>
+          </a:p>
+          <a:p>
+            <a:pPr lvl="0" algn="just"/>
+            <a:r>
+              <a:rPr lang="sr-Cyrl-RS" sz="2600" dirty="0" smtClean="0">
+                <a:solidFill>
+                  <a:schemeClr val="bg1"/>
+                </a:solidFill>
+                <a:latin typeface="Open Sans" panose="020B0606030504020204" pitchFamily="34" charset="0"/>
+                <a:ea typeface="Open Sans" panose="020B0606030504020204" pitchFamily="34" charset="0"/>
+                <a:cs typeface="Open Sans" panose="020B0606030504020204" pitchFamily="34" charset="0"/>
+              </a:rPr>
+              <a:t>Било је потребно направити модел неуронске мреже и у њега убацити слојеве који ће прочитане податке</a:t>
+            </a:r>
+            <a:r>
+              <a:rPr lang="en-US" sz="2600" dirty="0" smtClean="0">
+                <a:solidFill>
+                  <a:schemeClr val="bg1"/>
+                </a:solidFill>
+                <a:latin typeface="Open Sans" panose="020B0606030504020204" pitchFamily="34" charset="0"/>
+                <a:ea typeface="Open Sans" panose="020B0606030504020204" pitchFamily="34" charset="0"/>
+                <a:cs typeface="Open Sans" panose="020B0606030504020204" pitchFamily="34" charset="0"/>
+              </a:rPr>
+              <a:t> </a:t>
+            </a:r>
+            <a:r>
+              <a:rPr lang="sr-Cyrl-RS" sz="2600" dirty="0" smtClean="0">
+                <a:solidFill>
+                  <a:schemeClr val="bg1"/>
+                </a:solidFill>
+                <a:latin typeface="Open Sans" panose="020B0606030504020204" pitchFamily="34" charset="0"/>
+                <a:ea typeface="Open Sans" panose="020B0606030504020204" pitchFamily="34" charset="0"/>
+                <a:cs typeface="Open Sans" panose="020B0606030504020204" pitchFamily="34" charset="0"/>
+              </a:rPr>
+              <a:t>обрађивати.</a:t>
+            </a:r>
+          </a:p>
+          <a:p>
+            <a:pPr lvl="0" algn="just"/>
+            <a:endParaRPr lang="en-US" sz="2600" dirty="0">
+              <a:solidFill>
+                <a:schemeClr val="bg1"/>
+              </a:solidFill>
+              <a:latin typeface="Open Sans" panose="020B0606030504020204" pitchFamily="34" charset="0"/>
+              <a:ea typeface="Open Sans" panose="020B0606030504020204" pitchFamily="34" charset="0"/>
+              <a:cs typeface="Open Sans" panose="020B0606030504020204" pitchFamily="34" charset="0"/>
+            </a:endParaRPr>
+          </a:p>
+          <a:p>
+            <a:pPr lvl="0" algn="just"/>
+            <a:r>
+              <a:rPr lang="sr-Cyrl-RS" sz="2600" dirty="0" smtClean="0">
+                <a:solidFill>
+                  <a:schemeClr val="bg1"/>
+                </a:solidFill>
+                <a:latin typeface="Open Sans" panose="020B0606030504020204" pitchFamily="34" charset="0"/>
+                <a:ea typeface="Open Sans" panose="020B0606030504020204" pitchFamily="34" charset="0"/>
+                <a:cs typeface="Open Sans" panose="020B0606030504020204" pitchFamily="34" charset="0"/>
+              </a:rPr>
+              <a:t>За издвајање карактеристика задужен је конволуциони слој</a:t>
+            </a:r>
+          </a:p>
+          <a:p>
+            <a:pPr lvl="0" algn="just"/>
+            <a:r>
+              <a:rPr lang="en-US" sz="2600" b="1" dirty="0" smtClean="0">
+                <a:solidFill>
+                  <a:schemeClr val="bg1"/>
+                </a:solidFill>
+                <a:latin typeface="Open Sans" panose="020B0606030504020204" pitchFamily="34" charset="0"/>
+                <a:ea typeface="Open Sans" panose="020B0606030504020204" pitchFamily="34" charset="0"/>
+                <a:cs typeface="Open Sans" panose="020B0606030504020204" pitchFamily="34" charset="0"/>
+              </a:rPr>
+              <a:t>CONV2D</a:t>
+            </a:r>
+            <a:r>
+              <a:rPr lang="sr-Cyrl-RS" sz="2600" b="1" dirty="0" smtClean="0">
+                <a:solidFill>
+                  <a:schemeClr val="bg1"/>
+                </a:solidFill>
+                <a:latin typeface="Open Sans" panose="020B0606030504020204" pitchFamily="34" charset="0"/>
+                <a:ea typeface="Open Sans" panose="020B0606030504020204" pitchFamily="34" charset="0"/>
+                <a:cs typeface="Open Sans" panose="020B0606030504020204" pitchFamily="34" charset="0"/>
+              </a:rPr>
+              <a:t> </a:t>
+            </a:r>
+            <a:r>
+              <a:rPr lang="sr-Cyrl-RS" sz="2600" dirty="0" smtClean="0">
+                <a:solidFill>
+                  <a:schemeClr val="bg1"/>
+                </a:solidFill>
+                <a:latin typeface="Open Sans" panose="020B0606030504020204" pitchFamily="34" charset="0"/>
+                <a:ea typeface="Open Sans" panose="020B0606030504020204" pitchFamily="34" charset="0"/>
+                <a:cs typeface="Open Sans" panose="020B0606030504020204" pitchFamily="34" charset="0"/>
+              </a:rPr>
+              <a:t>који применом одређеног броја (К) филтера матрице фотографија пресликава у активационе мапе које на себи имају израженије карактеристике (вертикална ивица, хоризонтална ивица, кругови,  сенка...).</a:t>
+            </a:r>
+          </a:p>
+        </p:txBody>
+      </p:sp>
+      <p:sp>
+        <p:nvSpPr>
+          <p:cNvPr id="75" name="Rectangle 74"/>
+          <p:cNvSpPr/>
+          <p:nvPr/>
+        </p:nvSpPr>
+        <p:spPr>
+          <a:xfrm>
+            <a:off x="1007416" y="19931026"/>
             <a:ext cx="9812833" cy="914400"/>
           </a:xfrm>
           <a:prstGeom prst="rect">
@@ -4166,183 +5165,27 @@
                 </a:solidFill>
                 <a:latin typeface="Bree Serif" panose="02000503040000020004" pitchFamily="2" charset="0"/>
               </a:rPr>
-              <a:t>Увод</a:t>
-            </a:r>
-            <a:endParaRPr lang="en-US" sz="3600" dirty="0">
-              <a:solidFill>
-                <a:srgbClr val="2D3C50"/>
-              </a:solidFill>
-              <a:latin typeface="Bree Serif" panose="02000503040000020004" pitchFamily="2" charset="0"/>
-            </a:endParaRPr>
-          </a:p>
-        </p:txBody>
-      </p:sp>
-      <p:sp>
-        <p:nvSpPr>
-          <p:cNvPr id="32" name="TextBox 31"/>
+              <a:t>Методологија рада</a:t>
+            </a:r>
+          </a:p>
+        </p:txBody>
+      </p:sp>
+      <p:sp>
+        <p:nvSpPr>
+          <p:cNvPr id="18" name="TextBox 17">
+            <a:extLst>
+              <a:ext uri="{FF2B5EF4-FFF2-40B4-BE49-F238E27FC236}">
+                <a16:creationId xmlns:a16="http://schemas.microsoft.com/office/drawing/2014/main" xmlns:p15="http://schemas.microsoft.com/office/powerpoint/2012/main" xmlns:p14="http://schemas.microsoft.com/office/powerpoint/2010/main" xmlns="" id="{F11B3E59-AE53-4DED-A971-E053DEE116C7}"/>
+              </a:ext>
+            </a:extLst>
+          </p:cNvPr>
           <p:cNvSpPr txBox="1"/>
           <p:nvPr/>
         </p:nvSpPr>
         <p:spPr>
           <a:xfrm>
-            <a:off x="958355" y="7699340"/>
-            <a:ext cx="9392828" cy="5262979"/>
-          </a:xfrm>
-          <a:prstGeom prst="rect">
-            <a:avLst/>
-          </a:prstGeom>
-          <a:noFill/>
-        </p:spPr>
-        <p:txBody>
-          <a:bodyPr wrap="square" rtlCol="0">
-            <a:spAutoFit/>
-          </a:bodyPr>
-          <a:lstStyle/>
-          <a:p>
-            <a:pPr lvl="0"/>
-            <a:r>
-              <a:rPr lang="sr-Cyrl-RS" sz="2400" dirty="0" smtClean="0">
-                <a:solidFill>
-                  <a:schemeClr val="bg1"/>
-                </a:solidFill>
-                <a:latin typeface="Open Sans" panose="020B0606030504020204" pitchFamily="34" charset="0"/>
-                <a:ea typeface="Open Sans" panose="020B0606030504020204" pitchFamily="34" charset="0"/>
-                <a:cs typeface="Open Sans" panose="020B0606030504020204" pitchFamily="34" charset="0"/>
-              </a:rPr>
-              <a:t>Улазни подаци састоје се од 320 различитих фотографија цвећа. Укупно се појављује 5 различитих типова цвета а сваки тип, заједно са називом слике на којој се налази описан је у улазном документу који садржи исправне информације о називу сваког цвета на свакој слици.</a:t>
-            </a:r>
-            <a:br>
-              <a:rPr lang="sr-Cyrl-RS" sz="2400" dirty="0" smtClean="0">
-                <a:solidFill>
-                  <a:schemeClr val="bg1"/>
-                </a:solidFill>
-                <a:latin typeface="Open Sans" panose="020B0606030504020204" pitchFamily="34" charset="0"/>
-                <a:ea typeface="Open Sans" panose="020B0606030504020204" pitchFamily="34" charset="0"/>
-                <a:cs typeface="Open Sans" panose="020B0606030504020204" pitchFamily="34" charset="0"/>
-              </a:rPr>
-            </a:br>
-            <a:endParaRPr lang="sr-Cyrl-RS" sz="2400" dirty="0" smtClean="0">
-              <a:solidFill>
-                <a:schemeClr val="bg1"/>
-              </a:solidFill>
-              <a:latin typeface="Open Sans" panose="020B0606030504020204" pitchFamily="34" charset="0"/>
-              <a:ea typeface="Open Sans" panose="020B0606030504020204" pitchFamily="34" charset="0"/>
-              <a:cs typeface="Open Sans" panose="020B0606030504020204" pitchFamily="34" charset="0"/>
-            </a:endParaRPr>
-          </a:p>
-          <a:p>
-            <a:pPr lvl="0"/>
-            <a:r>
-              <a:rPr lang="sr-Cyrl-RS" sz="2400" dirty="0" smtClean="0">
-                <a:solidFill>
-                  <a:schemeClr val="bg1"/>
-                </a:solidFill>
-                <a:latin typeface="Open Sans" panose="020B0606030504020204" pitchFamily="34" charset="0"/>
-                <a:ea typeface="Open Sans" panose="020B0606030504020204" pitchFamily="34" charset="0"/>
-                <a:cs typeface="Open Sans" panose="020B0606030504020204" pitchFamily="34" charset="0"/>
-              </a:rPr>
-              <a:t>Овај скуп података се користи за тренинг класификатора.</a:t>
-            </a:r>
-            <a:endParaRPr lang="sr-Cyrl-RS" sz="2400" dirty="0" smtClean="0">
-              <a:solidFill>
-                <a:schemeClr val="bg1"/>
-              </a:solidFill>
-              <a:latin typeface="Open Sans" panose="020B0606030504020204" pitchFamily="34" charset="0"/>
-              <a:ea typeface="Open Sans" panose="020B0606030504020204" pitchFamily="34" charset="0"/>
-              <a:cs typeface="Open Sans" panose="020B0606030504020204" pitchFamily="34" charset="0"/>
-            </a:endParaRPr>
-          </a:p>
-          <a:p>
-            <a:pPr lvl="0"/>
-            <a:r>
-              <a:rPr lang="sr-Cyrl-RS" sz="2400" dirty="0" smtClean="0">
-                <a:solidFill>
-                  <a:schemeClr val="bg1"/>
-                </a:solidFill>
-                <a:latin typeface="Open Sans" panose="020B0606030504020204" pitchFamily="34" charset="0"/>
-                <a:ea typeface="Open Sans" panose="020B0606030504020204" pitchFamily="34" charset="0"/>
-                <a:cs typeface="Open Sans" panose="020B0606030504020204" pitchFamily="34" charset="0"/>
-              </a:rPr>
-              <a:t/>
-            </a:r>
-            <a:br>
-              <a:rPr lang="sr-Cyrl-RS" sz="2400" dirty="0" smtClean="0">
-                <a:solidFill>
-                  <a:schemeClr val="bg1"/>
-                </a:solidFill>
-                <a:latin typeface="Open Sans" panose="020B0606030504020204" pitchFamily="34" charset="0"/>
-                <a:ea typeface="Open Sans" panose="020B0606030504020204" pitchFamily="34" charset="0"/>
-                <a:cs typeface="Open Sans" panose="020B0606030504020204" pitchFamily="34" charset="0"/>
-              </a:rPr>
-            </a:br>
-            <a:r>
-              <a:rPr lang="sr-Cyrl-RS" sz="2400" dirty="0" smtClean="0">
-                <a:solidFill>
-                  <a:schemeClr val="bg1"/>
-                </a:solidFill>
-                <a:latin typeface="Open Sans" panose="020B0606030504020204" pitchFamily="34" charset="0"/>
-                <a:ea typeface="Open Sans" panose="020B0606030504020204" pitchFamily="34" charset="0"/>
-                <a:cs typeface="Open Sans" panose="020B0606030504020204" pitchFamily="34" charset="0"/>
-              </a:rPr>
-              <a:t>Тест скуп података састоји се од 80 различитих фотографија цветова из истих оних 5 различитих типова. </a:t>
-            </a:r>
-            <a:r>
-              <a:rPr lang="sr-Cyrl-RS" sz="2400" dirty="0" smtClean="0">
-                <a:solidFill>
-                  <a:schemeClr val="bg1"/>
-                </a:solidFill>
-                <a:latin typeface="Open Sans" panose="020B0606030504020204" pitchFamily="34" charset="0"/>
-                <a:ea typeface="Open Sans" panose="020B0606030504020204" pitchFamily="34" charset="0"/>
-                <a:cs typeface="Open Sans" panose="020B0606030504020204" pitchFamily="34" charset="0"/>
-              </a:rPr>
-              <a:t>Такође уз тест директоријум са сликама налази се и тест документ са информацијама о називу сваког цвета на свакој тест слици.</a:t>
-            </a:r>
-          </a:p>
-          <a:p>
-            <a:pPr lvl="0"/>
-            <a:endParaRPr lang="sr-Cyrl-RS" sz="2400" dirty="0">
-              <a:solidFill>
-                <a:schemeClr val="bg1"/>
-              </a:solidFill>
-              <a:latin typeface="Open Sans" panose="020B0606030504020204" pitchFamily="34" charset="0"/>
-              <a:ea typeface="Open Sans" panose="020B0606030504020204" pitchFamily="34" charset="0"/>
-              <a:cs typeface="Open Sans" panose="020B0606030504020204" pitchFamily="34" charset="0"/>
-            </a:endParaRPr>
-          </a:p>
-          <a:p>
-            <a:pPr lvl="0"/>
-            <a:r>
-              <a:rPr lang="sr-Cyrl-RS" sz="2400" dirty="0" smtClean="0">
-                <a:solidFill>
-                  <a:schemeClr val="bg1"/>
-                </a:solidFill>
-                <a:latin typeface="Open Sans" panose="020B0606030504020204" pitchFamily="34" charset="0"/>
-                <a:ea typeface="Open Sans" panose="020B0606030504020204" pitchFamily="34" charset="0"/>
-                <a:cs typeface="Open Sans" panose="020B0606030504020204" pitchFamily="34" charset="0"/>
-              </a:rPr>
-              <a:t>Тренинг скуп и тест скуп су међусобно дисјунктни.</a:t>
-            </a:r>
-            <a:endParaRPr lang="en-US" sz="2400" dirty="0">
-              <a:solidFill>
-                <a:schemeClr val="bg1"/>
-              </a:solidFill>
-              <a:latin typeface="Open Sans" panose="020B0606030504020204" pitchFamily="34" charset="0"/>
-              <a:ea typeface="Open Sans" panose="020B0606030504020204" pitchFamily="34" charset="0"/>
-              <a:cs typeface="Open Sans" panose="020B0606030504020204" pitchFamily="34" charset="0"/>
-            </a:endParaRPr>
-          </a:p>
-        </p:txBody>
-      </p:sp>
-      <p:sp>
-        <p:nvSpPr>
-          <p:cNvPr id="33" name="TextBox 32"/>
-          <p:cNvSpPr txBox="1"/>
-          <p:nvPr/>
-        </p:nvSpPr>
-        <p:spPr>
-          <a:xfrm>
-            <a:off x="817877" y="14970047"/>
-            <a:ext cx="9743310" cy="7848302"/>
+            <a:off x="11653847" y="8397339"/>
+            <a:ext cx="10184528" cy="4093428"/>
           </a:xfrm>
           <a:prstGeom prst="rect">
             <a:avLst/>
@@ -4357,9 +5200,9 @@
           </a:bodyPr>
           <a:lstStyle/>
           <a:p>
-            <a:pPr lvl="0"/>
-            <a:r>
-              <a:rPr lang="sr-Cyrl-RS" sz="2400" dirty="0" smtClean="0">
+            <a:pPr lvl="0" algn="just"/>
+            <a:r>
+              <a:rPr lang="sr-Cyrl-RS" sz="2600" dirty="0" smtClean="0">
                 <a:solidFill>
                   <a:schemeClr val="bg1"/>
                 </a:solidFill>
@@ -4367,10 +5210,10 @@
                 <a:ea typeface="Open Sans" panose="020B0606030504020204" pitchFamily="34" charset="0"/>
                 <a:cs typeface="Open Sans" panose="020B0606030504020204" pitchFamily="34" charset="0"/>
               </a:rPr>
-              <a:t>На почетку су подаци учитани на начин који је обезбедио правилан и паралелан поредак назива цветова са одговарајућим фотографијама из тренинг скупа.</a:t>
-            </a:r>
-            <a:br>
-              <a:rPr lang="sr-Cyrl-RS" sz="2400" dirty="0" smtClean="0">
+              <a:t>Након овог слоја примењује се  нелинеарна активациона функција </a:t>
+            </a:r>
+            <a:r>
+              <a:rPr lang="en-US" sz="2600" i="1" dirty="0" smtClean="0">
                 <a:solidFill>
                   <a:schemeClr val="bg1"/>
                 </a:solidFill>
@@ -4378,66 +5221,9 @@
                 <a:ea typeface="Open Sans" panose="020B0606030504020204" pitchFamily="34" charset="0"/>
                 <a:cs typeface="Open Sans" panose="020B0606030504020204" pitchFamily="34" charset="0"/>
               </a:rPr>
-            </a:br>
-            <a:r>
-              <a:rPr lang="sr-Cyrl-RS" sz="2400" dirty="0" smtClean="0">
-                <a:solidFill>
-                  <a:schemeClr val="bg1"/>
-                </a:solidFill>
-                <a:latin typeface="Open Sans" panose="020B0606030504020204" pitchFamily="34" charset="0"/>
-                <a:ea typeface="Open Sans" panose="020B0606030504020204" pitchFamily="34" charset="0"/>
-                <a:cs typeface="Open Sans" panose="020B0606030504020204" pitchFamily="34" charset="0"/>
-              </a:rPr>
-              <a:t>То је учињено тако што су потребни подаци прво читани из </a:t>
-            </a:r>
-            <a:r>
-              <a:rPr lang="en-US" sz="2400" dirty="0" smtClean="0">
-                <a:solidFill>
-                  <a:schemeClr val="bg1"/>
-                </a:solidFill>
-                <a:latin typeface="Open Sans" panose="020B0606030504020204" pitchFamily="34" charset="0"/>
-                <a:ea typeface="Open Sans" panose="020B0606030504020204" pitchFamily="34" charset="0"/>
-                <a:cs typeface="Open Sans" panose="020B0606030504020204" pitchFamily="34" charset="0"/>
-              </a:rPr>
-              <a:t>‘</a:t>
-            </a:r>
-            <a:r>
-              <a:rPr lang="en-US" sz="2400" i="1" dirty="0" err="1" smtClean="0">
-                <a:solidFill>
-                  <a:schemeClr val="bg1"/>
-                </a:solidFill>
-                <a:latin typeface="Open Sans" panose="020B0606030504020204" pitchFamily="34" charset="0"/>
-                <a:ea typeface="Open Sans" panose="020B0606030504020204" pitchFamily="34" charset="0"/>
-                <a:cs typeface="Open Sans" panose="020B0606030504020204" pitchFamily="34" charset="0"/>
-              </a:rPr>
-              <a:t>csv</a:t>
-            </a:r>
-            <a:r>
-              <a:rPr lang="en-US" sz="2400" dirty="0" smtClean="0">
-                <a:solidFill>
-                  <a:schemeClr val="bg1"/>
-                </a:solidFill>
-                <a:latin typeface="Open Sans" panose="020B0606030504020204" pitchFamily="34" charset="0"/>
-                <a:ea typeface="Open Sans" panose="020B0606030504020204" pitchFamily="34" charset="0"/>
-                <a:cs typeface="Open Sans" panose="020B0606030504020204" pitchFamily="34" charset="0"/>
-              </a:rPr>
-              <a:t>’ </a:t>
-            </a:r>
-            <a:r>
-              <a:rPr lang="sr-Cyrl-RS" sz="2400" dirty="0" smtClean="0">
-                <a:solidFill>
-                  <a:schemeClr val="bg1"/>
-                </a:solidFill>
-                <a:latin typeface="Open Sans" panose="020B0606030504020204" pitchFamily="34" charset="0"/>
-                <a:ea typeface="Open Sans" panose="020B0606030504020204" pitchFamily="34" charset="0"/>
-                <a:cs typeface="Open Sans" panose="020B0606030504020204" pitchFamily="34" charset="0"/>
-              </a:rPr>
-              <a:t>датотеке и коришћени да се паралелно пронађе фотографија са датим називом и назив њеног цвета (односно лабела) и да се паралелно похране у одговарајућу колекцију података.</a:t>
-            </a:r>
-          </a:p>
-          <a:p>
-            <a:pPr lvl="0"/>
-            <a:endParaRPr lang="sr-Cyrl-RS" sz="2400" dirty="0">
+              <a:t>‘ReLU’.</a:t>
+            </a:r>
+            <a:endParaRPr lang="en-US" sz="2600" dirty="0">
               <a:solidFill>
                 <a:schemeClr val="bg1"/>
               </a:solidFill>
@@ -4447,9 +5233,9 @@
             </a:endParaRPr>
           </a:p>
           <a:p>
-            <a:pPr lvl="0"/>
-            <a:r>
-              <a:rPr lang="sr-Cyrl-RS" sz="2400" dirty="0" smtClean="0">
+            <a:pPr lvl="0" algn="just"/>
+            <a:r>
+              <a:rPr lang="sr-Cyrl-RS" sz="2600" dirty="0" smtClean="0">
                 <a:solidFill>
                   <a:schemeClr val="bg1"/>
                 </a:solidFill>
@@ -4457,12 +5243,34 @@
                 <a:ea typeface="Open Sans" panose="020B0606030504020204" pitchFamily="34" charset="0"/>
                 <a:cs typeface="Open Sans" panose="020B0606030504020204" pitchFamily="34" charset="0"/>
               </a:rPr>
-              <a:t>На идентичан начин на почетку програма учитани су и тест подаци.</a:t>
-            </a:r>
-          </a:p>
-          <a:p>
-            <a:pPr lvl="0"/>
-            <a:endParaRPr lang="sr-Cyrl-RS" sz="2400" dirty="0">
+              <a:t>Да бисмо од излаза могли извући неке закључке потребно је да их скалирамо и задржимо најважније карактеристке одбацујући оне небитне заостале од претходних слојева, за то се користи слој под именом </a:t>
+            </a:r>
+            <a:r>
+              <a:rPr lang="en-US" sz="2600" i="1" dirty="0" smtClean="0">
+                <a:solidFill>
+                  <a:schemeClr val="bg1"/>
+                </a:solidFill>
+                <a:latin typeface="Open Sans" panose="020B0606030504020204" pitchFamily="34" charset="0"/>
+                <a:ea typeface="Open Sans" panose="020B0606030504020204" pitchFamily="34" charset="0"/>
+                <a:cs typeface="Open Sans" panose="020B0606030504020204" pitchFamily="34" charset="0"/>
+              </a:rPr>
+              <a:t>‘Max Pooling’.</a:t>
+            </a:r>
+            <a:r>
+              <a:rPr lang="en-US" sz="2600" dirty="0" smtClean="0">
+                <a:solidFill>
+                  <a:schemeClr val="bg1"/>
+                </a:solidFill>
+                <a:latin typeface="Open Sans" panose="020B0606030504020204" pitchFamily="34" charset="0"/>
+                <a:ea typeface="Open Sans" panose="020B0606030504020204" pitchFamily="34" charset="0"/>
+                <a:cs typeface="Open Sans" panose="020B0606030504020204" pitchFamily="34" charset="0"/>
+              </a:rPr>
+              <a:t> </a:t>
+            </a:r>
+          </a:p>
+          <a:p>
+            <a:pPr lvl="0" algn="just"/>
+            <a:endParaRPr lang="en-US" sz="2600" i="1" dirty="0">
               <a:solidFill>
                 <a:schemeClr val="bg1"/>
               </a:solidFill>
@@ -4472,9 +5280,9 @@
             </a:endParaRPr>
           </a:p>
           <a:p>
-            <a:pPr lvl="0"/>
-            <a:r>
-              <a:rPr lang="sr-Cyrl-RS" sz="2400" dirty="0" smtClean="0">
+            <a:pPr lvl="0" algn="just"/>
+            <a:r>
+              <a:rPr lang="sr-Cyrl-RS" sz="2600" dirty="0" smtClean="0">
                 <a:solidFill>
                   <a:schemeClr val="bg1"/>
                 </a:solidFill>
@@ -4482,10 +5290,10 @@
                 <a:ea typeface="Open Sans" panose="020B0606030504020204" pitchFamily="34" charset="0"/>
                 <a:cs typeface="Open Sans" panose="020B0606030504020204" pitchFamily="34" charset="0"/>
               </a:rPr>
-              <a:t>Како су прочитане фотографије? Свака од фотографија има своју независну резолуцију, било је од користи скалирати их на подједнаку резолуцију што је и учињено и након читања резолуција похрањених фотографија износи </a:t>
-            </a:r>
-            <a:r>
-              <a:rPr lang="en-US" sz="2400" b="1" dirty="0" smtClean="0">
+              <a:t>Након три итерације са комбиновањем горенаведених слојева улазимо у </a:t>
+            </a:r>
+            <a:r>
+              <a:rPr lang="en-US" sz="2600" dirty="0" smtClean="0">
                 <a:solidFill>
                   <a:schemeClr val="bg1"/>
                 </a:solidFill>
@@ -4493,10 +5301,10 @@
                 <a:ea typeface="Open Sans" panose="020B0606030504020204" pitchFamily="34" charset="0"/>
                 <a:cs typeface="Open Sans" panose="020B0606030504020204" pitchFamily="34" charset="0"/>
               </a:rPr>
-              <a:t>MISSINGDATA X MISSINGDATA. </a:t>
-            </a:r>
-            <a:r>
-              <a:rPr lang="sr-Cyrl-RS" sz="2400" dirty="0" smtClean="0">
+              <a:t>‘</a:t>
+            </a:r>
+            <a:r>
+              <a:rPr lang="en-US" sz="2600" i="1" dirty="0" smtClean="0">
                 <a:solidFill>
                   <a:schemeClr val="bg1"/>
                 </a:solidFill>
@@ -4504,10 +5312,10 @@
                 <a:ea typeface="Open Sans" panose="020B0606030504020204" pitchFamily="34" charset="0"/>
                 <a:cs typeface="Open Sans" panose="020B0606030504020204" pitchFamily="34" charset="0"/>
               </a:rPr>
-              <a:t>Када говоримо о карактеристикама и посебности сваког цвета морамо узети у обзир и његову боју, из тог разлога слике су учитане у боји, </a:t>
-            </a:r>
-            <a:r>
-              <a:rPr lang="en-US" sz="2400" i="1" dirty="0" smtClean="0">
+              <a:t>Fully connected </a:t>
+            </a:r>
+            <a:r>
+              <a:rPr lang="en-US" sz="2600" dirty="0" smtClean="0">
                 <a:solidFill>
                   <a:schemeClr val="bg1"/>
                 </a:solidFill>
@@ -4515,9 +5323,20 @@
                 <a:ea typeface="Open Sans" panose="020B0606030504020204" pitchFamily="34" charset="0"/>
                 <a:cs typeface="Open Sans" panose="020B0606030504020204" pitchFamily="34" charset="0"/>
               </a:rPr>
-              <a:t>‘RGB’.</a:t>
-            </a:r>
-            <a:endParaRPr lang="sr-Cyrl-RS" sz="2400" b="1" i="1" dirty="0" smtClean="0">
+              <a:t>’ </a:t>
+            </a:r>
+            <a:r>
+              <a:rPr lang="sr-Cyrl-RS" sz="2600" dirty="0" smtClean="0">
+                <a:solidFill>
+                  <a:schemeClr val="bg1"/>
+                </a:solidFill>
+                <a:latin typeface="Open Sans" panose="020B0606030504020204" pitchFamily="34" charset="0"/>
+                <a:ea typeface="Open Sans" panose="020B0606030504020204" pitchFamily="34" charset="0"/>
+                <a:cs typeface="Open Sans" panose="020B0606030504020204" pitchFamily="34" charset="0"/>
+              </a:rPr>
+              <a:t>слој који  „изравна“ излазе из претходних слојева и претвори их у јединствени вектор.</a:t>
+            </a:r>
+            <a:endParaRPr lang="en-US" sz="2600" dirty="0">
               <a:solidFill>
                 <a:schemeClr val="bg1"/>
               </a:solidFill>
@@ -4526,84 +5345,24 @@
               <a:cs typeface="Open Sans" panose="020B0606030504020204" pitchFamily="34" charset="0"/>
             </a:endParaRPr>
           </a:p>
-          <a:p>
-            <a:pPr lvl="0"/>
-            <a:endParaRPr lang="sr-Cyrl-RS" sz="2400" dirty="0" smtClean="0">
-              <a:solidFill>
-                <a:schemeClr val="bg1"/>
-              </a:solidFill>
-              <a:latin typeface="Open Sans" panose="020B0606030504020204" pitchFamily="34" charset="0"/>
-              <a:ea typeface="Open Sans" panose="020B0606030504020204" pitchFamily="34" charset="0"/>
-              <a:cs typeface="Open Sans" panose="020B0606030504020204" pitchFamily="34" charset="0"/>
-            </a:endParaRPr>
-          </a:p>
-          <a:p>
-            <a:pPr lvl="0"/>
-            <a:r>
-              <a:rPr lang="sr-Cyrl-RS" sz="2400" dirty="0" smtClean="0">
-                <a:solidFill>
-                  <a:schemeClr val="bg1"/>
-                </a:solidFill>
-                <a:latin typeface="Open Sans" panose="020B0606030504020204" pitchFamily="34" charset="0"/>
-                <a:ea typeface="Open Sans" panose="020B0606030504020204" pitchFamily="34" charset="0"/>
-                <a:cs typeface="Open Sans" panose="020B0606030504020204" pitchFamily="34" charset="0"/>
-              </a:rPr>
-              <a:t>Било је потребно направити модел неуронске мреже и у њега убацити слојеве који ће прочитане податке</a:t>
-            </a:r>
-            <a:r>
-              <a:rPr lang="en-US" sz="2400" smtClean="0">
-                <a:solidFill>
-                  <a:schemeClr val="bg1"/>
-                </a:solidFill>
-                <a:latin typeface="Open Sans" panose="020B0606030504020204" pitchFamily="34" charset="0"/>
-                <a:ea typeface="Open Sans" panose="020B0606030504020204" pitchFamily="34" charset="0"/>
-                <a:cs typeface="Open Sans" panose="020B0606030504020204" pitchFamily="34" charset="0"/>
-              </a:rPr>
-              <a:t> </a:t>
-            </a:r>
-            <a:r>
-              <a:rPr lang="sr-Cyrl-RS" sz="2400" smtClean="0">
-                <a:solidFill>
-                  <a:schemeClr val="bg1"/>
-                </a:solidFill>
-                <a:latin typeface="Open Sans" panose="020B0606030504020204" pitchFamily="34" charset="0"/>
-                <a:ea typeface="Open Sans" panose="020B0606030504020204" pitchFamily="34" charset="0"/>
-                <a:cs typeface="Open Sans" panose="020B0606030504020204" pitchFamily="34" charset="0"/>
-              </a:rPr>
-              <a:t>обрађивати</a:t>
-            </a:r>
-            <a:r>
-              <a:rPr lang="sr-Cyrl-RS" sz="2400" dirty="0" smtClean="0">
-                <a:solidFill>
-                  <a:schemeClr val="bg1"/>
-                </a:solidFill>
-                <a:latin typeface="Open Sans" panose="020B0606030504020204" pitchFamily="34" charset="0"/>
-                <a:ea typeface="Open Sans" panose="020B0606030504020204" pitchFamily="34" charset="0"/>
-                <a:cs typeface="Open Sans" panose="020B0606030504020204" pitchFamily="34" charset="0"/>
-              </a:rPr>
-              <a:t>.</a:t>
-            </a:r>
-            <a:endParaRPr lang="sr-Cyrl-RS" sz="2400" dirty="0">
-              <a:solidFill>
-                <a:schemeClr val="bg1"/>
-              </a:solidFill>
-              <a:latin typeface="Open Sans" panose="020B0606030504020204" pitchFamily="34" charset="0"/>
-              <a:ea typeface="Open Sans" panose="020B0606030504020204" pitchFamily="34" charset="0"/>
-              <a:cs typeface="Open Sans" panose="020B0606030504020204" pitchFamily="34" charset="0"/>
-            </a:endParaRPr>
-          </a:p>
-        </p:txBody>
-      </p:sp>
-      <p:sp>
-        <p:nvSpPr>
-          <p:cNvPr id="75" name="Rectangle 74"/>
+        </p:txBody>
+      </p:sp>
+      <p:sp>
+        <p:nvSpPr>
+          <p:cNvPr id="19" name="Rectangle 18">
+            <a:extLst>
+              <a:ext uri="{FF2B5EF4-FFF2-40B4-BE49-F238E27FC236}">
+                <a16:creationId xmlns:a16="http://schemas.microsoft.com/office/drawing/2014/main" xmlns:p15="http://schemas.microsoft.com/office/powerpoint/2012/main" xmlns:p14="http://schemas.microsoft.com/office/powerpoint/2010/main" xmlns="" id="{B2352664-69B3-4116-8179-FBD03FBE287B}"/>
+              </a:ext>
+            </a:extLst>
+          </p:cNvPr>
           <p:cNvSpPr/>
           <p:nvPr/>
         </p:nvSpPr>
         <p:spPr>
           <a:xfrm>
-            <a:off x="783115" y="13919143"/>
-            <a:ext cx="9812833" cy="914400"/>
+            <a:off x="11615746" y="6637992"/>
+            <a:ext cx="20984005" cy="974911"/>
           </a:xfrm>
           <a:prstGeom prst="rect">
             <a:avLst/>
@@ -4645,15 +5404,21 @@
               </a:rPr>
               <a:t>Методологија рада</a:t>
             </a:r>
-          </a:p>
-        </p:txBody>
-      </p:sp>
-      <p:sp>
-        <p:nvSpPr>
-          <p:cNvPr id="18" name="TextBox 17">
+            <a:endParaRPr lang="en-US" sz="3600" dirty="0">
+              <a:solidFill>
+                <a:srgbClr val="2D3C50"/>
+              </a:solidFill>
+              <a:latin typeface="Bree Serif" panose="02000503040000020004" pitchFamily="2" charset="0"/>
+            </a:endParaRPr>
+          </a:p>
+        </p:txBody>
+      </p:sp>
+      <p:sp>
+        <p:nvSpPr>
+          <p:cNvPr id="20" name="TextBox 19">
             <a:extLst>
               <a:ext uri="{FF2B5EF4-FFF2-40B4-BE49-F238E27FC236}">
-                <a16:creationId xmlns:a16="http://schemas.microsoft.com/office/drawing/2014/main" xmlns:p15="http://schemas.microsoft.com/office/powerpoint/2012/main" xmlns:p14="http://schemas.microsoft.com/office/powerpoint/2010/main" xmlns="" id="{F11B3E59-AE53-4DED-A971-E053DEE116C7}"/>
+                <a16:creationId xmlns:a16="http://schemas.microsoft.com/office/drawing/2014/main" xmlns:p15="http://schemas.microsoft.com/office/powerpoint/2012/main" xmlns:p14="http://schemas.microsoft.com/office/powerpoint/2010/main" xmlns="" id="{45ECDD11-8FA4-4EBC-9A33-A65B12940149}"/>
               </a:ext>
             </a:extLst>
           </p:cNvPr>
@@ -4662,13 +5427,15 @@
         </p:nvSpPr>
         <p:spPr>
           <a:xfrm>
-            <a:off x="11552784" y="7683938"/>
-            <a:ext cx="9743310" cy="461665"/>
+            <a:off x="11705184" y="26824424"/>
+            <a:ext cx="9959373" cy="6093976"/>
           </a:xfrm>
           <a:prstGeom prst="rect">
             <a:avLst/>
           </a:prstGeom>
-          <a:noFill/>
+          <a:solidFill>
+            <a:srgbClr val="2D3C50"/>
+          </a:solidFill>
         </p:spPr>
         <p:txBody>
           <a:bodyPr wrap="square" rtlCol="0">
@@ -4676,9 +5443,9 @@
           </a:bodyPr>
           <a:lstStyle/>
           <a:p>
-            <a:pPr lvl="0"/>
-            <a:r>
-              <a:rPr lang="en-US" sz="2400">
+            <a:pPr lvl="0" algn="just"/>
+            <a:r>
+              <a:rPr lang="sr-Cyrl-RS" sz="2600" dirty="0" smtClean="0">
                 <a:solidFill>
                   <a:schemeClr val="bg1"/>
                 </a:solidFill>
@@ -4686,17 +5453,136 @@
                 <a:ea typeface="Open Sans" panose="020B0606030504020204" pitchFamily="34" charset="0"/>
                 <a:cs typeface="Open Sans" panose="020B0606030504020204" pitchFamily="34" charset="0"/>
               </a:rPr>
-              <a:t>Add your information, graphs and images to this section.</a:t>
-            </a:r>
-          </a:p>
-        </p:txBody>
-      </p:sp>
-      <p:sp>
-        <p:nvSpPr>
-          <p:cNvPr id="19" name="Rectangle 18">
+              <a:t>Након што се мрежа истренира, на њу се може применити тестирање уз помоћ 80 фотографија из тест скупа и упоредити излаз мреже са исправним именима сваког од 80 цветова.</a:t>
+            </a:r>
+          </a:p>
+          <a:p>
+            <a:pPr lvl="0" algn="just"/>
+            <a:endParaRPr lang="sr-Cyrl-RS" sz="2600" dirty="0">
+              <a:solidFill>
+                <a:schemeClr val="bg1"/>
+              </a:solidFill>
+              <a:latin typeface="Open Sans" panose="020B0606030504020204" pitchFamily="34" charset="0"/>
+              <a:ea typeface="Open Sans" panose="020B0606030504020204" pitchFamily="34" charset="0"/>
+              <a:cs typeface="Open Sans" panose="020B0606030504020204" pitchFamily="34" charset="0"/>
+            </a:endParaRPr>
+          </a:p>
+          <a:p>
+            <a:pPr lvl="0" algn="just"/>
+            <a:r>
+              <a:rPr lang="sr-Cyrl-RS" sz="2600" dirty="0" smtClean="0">
+                <a:solidFill>
+                  <a:schemeClr val="bg1"/>
+                </a:solidFill>
+                <a:latin typeface="Open Sans" panose="020B0606030504020204" pitchFamily="34" charset="0"/>
+                <a:ea typeface="Open Sans" panose="020B0606030504020204" pitchFamily="34" charset="0"/>
+                <a:cs typeface="Open Sans" panose="020B0606030504020204" pitchFamily="34" charset="0"/>
+              </a:rPr>
+              <a:t>Резултат тог поређења изражава се у проценту тачности.</a:t>
+            </a:r>
+          </a:p>
+          <a:p>
+            <a:pPr lvl="0" algn="just"/>
+            <a:r>
+              <a:rPr lang="sr-Cyrl-RS" sz="2600" dirty="0" smtClean="0">
+                <a:solidFill>
+                  <a:schemeClr val="bg1"/>
+                </a:solidFill>
+                <a:latin typeface="Open Sans" panose="020B0606030504020204" pitchFamily="34" charset="0"/>
+                <a:ea typeface="Open Sans" panose="020B0606030504020204" pitchFamily="34" charset="0"/>
+                <a:cs typeface="Open Sans" panose="020B0606030504020204" pitchFamily="34" charset="0"/>
+              </a:rPr>
+              <a:t>Неуронска мрежа коришћена  у овом решењу није конзистентна у оцени решења. Најбољи резултат који постиже је 86,25%. То значи да од 80 фотографија она исправно препознаје 69, односно да греши у 15.75% случајева, код 11 цветова.</a:t>
+            </a:r>
+          </a:p>
+          <a:p>
+            <a:pPr lvl="0" algn="just"/>
+            <a:endParaRPr lang="sr-Cyrl-RS" sz="2600" dirty="0">
+              <a:solidFill>
+                <a:schemeClr val="bg1"/>
+              </a:solidFill>
+              <a:latin typeface="Open Sans" panose="020B0606030504020204" pitchFamily="34" charset="0"/>
+              <a:ea typeface="Open Sans" panose="020B0606030504020204" pitchFamily="34" charset="0"/>
+              <a:cs typeface="Open Sans" panose="020B0606030504020204" pitchFamily="34" charset="0"/>
+            </a:endParaRPr>
+          </a:p>
+          <a:p>
+            <a:pPr lvl="0" algn="just"/>
+            <a:r>
+              <a:rPr lang="sr-Cyrl-RS" sz="2600" dirty="0" smtClean="0">
+                <a:solidFill>
+                  <a:schemeClr val="bg1"/>
+                </a:solidFill>
+                <a:latin typeface="Open Sans" panose="020B0606030504020204" pitchFamily="34" charset="0"/>
+                <a:ea typeface="Open Sans" panose="020B0606030504020204" pitchFamily="34" charset="0"/>
+                <a:cs typeface="Open Sans" panose="020B0606030504020204" pitchFamily="34" charset="0"/>
+              </a:rPr>
+              <a:t>У поређењу са решењем направљеним користећи </a:t>
+            </a:r>
+            <a:r>
+              <a:rPr lang="en-US" sz="2600" i="1" dirty="0" smtClean="0">
+                <a:solidFill>
+                  <a:schemeClr val="bg1"/>
+                </a:solidFill>
+                <a:latin typeface="Open Sans" panose="020B0606030504020204" pitchFamily="34" charset="0"/>
+                <a:ea typeface="Open Sans" panose="020B0606030504020204" pitchFamily="34" charset="0"/>
+                <a:cs typeface="Open Sans" panose="020B0606030504020204" pitchFamily="34" charset="0"/>
+              </a:rPr>
+              <a:t>‘HOG</a:t>
+            </a:r>
+            <a:r>
+              <a:rPr lang="sr-Cyrl-RS" sz="2600" i="1" dirty="0" smtClean="0">
+                <a:solidFill>
+                  <a:schemeClr val="bg1"/>
+                </a:solidFill>
+                <a:latin typeface="Open Sans" panose="020B0606030504020204" pitchFamily="34" charset="0"/>
+                <a:ea typeface="Open Sans" panose="020B0606030504020204" pitchFamily="34" charset="0"/>
+                <a:cs typeface="Open Sans" panose="020B0606030504020204" pitchFamily="34" charset="0"/>
+              </a:rPr>
+              <a:t> </a:t>
+            </a:r>
+            <a:r>
+              <a:rPr lang="en-US" sz="2600" i="1" dirty="0" smtClean="0">
+                <a:solidFill>
+                  <a:schemeClr val="bg1"/>
+                </a:solidFill>
+                <a:latin typeface="Open Sans" panose="020B0606030504020204" pitchFamily="34" charset="0"/>
+                <a:ea typeface="Open Sans" panose="020B0606030504020204" pitchFamily="34" charset="0"/>
+                <a:cs typeface="Open Sans" panose="020B0606030504020204" pitchFamily="34" charset="0"/>
+              </a:rPr>
+              <a:t>DESCRIPTOR</a:t>
+            </a:r>
+            <a:r>
+              <a:rPr lang="en-US" sz="2600" dirty="0" smtClean="0">
+                <a:solidFill>
+                  <a:schemeClr val="bg1"/>
+                </a:solidFill>
+                <a:latin typeface="Open Sans" panose="020B0606030504020204" pitchFamily="34" charset="0"/>
+                <a:ea typeface="Open Sans" panose="020B0606030504020204" pitchFamily="34" charset="0"/>
+                <a:cs typeface="Open Sans" panose="020B0606030504020204" pitchFamily="34" charset="0"/>
+              </a:rPr>
+              <a:t>’</a:t>
+            </a:r>
+            <a:r>
+              <a:rPr lang="sr-Cyrl-RS" sz="2600" dirty="0" smtClean="0">
+                <a:solidFill>
+                  <a:schemeClr val="bg1"/>
+                </a:solidFill>
+                <a:latin typeface="Open Sans" panose="020B0606030504020204" pitchFamily="34" charset="0"/>
+                <a:ea typeface="Open Sans" panose="020B0606030504020204" pitchFamily="34" charset="0"/>
+                <a:cs typeface="Open Sans" panose="020B0606030504020204" pitchFamily="34" charset="0"/>
+              </a:rPr>
+              <a:t> неуронска мрежа је доста успешнија јер је у просеку 20% тачнија.</a:t>
+            </a:r>
+          </a:p>
+        </p:txBody>
+      </p:sp>
+      <p:sp>
+        <p:nvSpPr>
+          <p:cNvPr id="21" name="Rectangle 20">
             <a:extLst>
               <a:ext uri="{FF2B5EF4-FFF2-40B4-BE49-F238E27FC236}">
-                <a16:creationId xmlns:a16="http://schemas.microsoft.com/office/drawing/2014/main" xmlns:p15="http://schemas.microsoft.com/office/powerpoint/2012/main" xmlns:p14="http://schemas.microsoft.com/office/powerpoint/2010/main" xmlns="" id="{B2352664-69B3-4116-8179-FBD03FBE287B}"/>
+                <a16:creationId xmlns:a16="http://schemas.microsoft.com/office/drawing/2014/main" xmlns:p15="http://schemas.microsoft.com/office/powerpoint/2012/main" xmlns:p14="http://schemas.microsoft.com/office/powerpoint/2010/main" xmlns="" id="{C59F2BED-4EC3-48A3-AA9E-8C76922558DA}"/>
               </a:ext>
             </a:extLst>
           </p:cNvPr>
@@ -4705,8 +5591,8 @@
         </p:nvSpPr>
         <p:spPr>
           <a:xfrm>
-            <a:off x="11552784" y="6633033"/>
-            <a:ext cx="9812833" cy="914400"/>
+            <a:off x="11653845" y="25273795"/>
+            <a:ext cx="9989291" cy="914400"/>
           </a:xfrm>
           <a:prstGeom prst="rect">
             <a:avLst/>
@@ -4740,23 +5626,29 @@
           <a:p>
             <a:pPr algn="ctr"/>
             <a:r>
-              <a:rPr lang="en-US" sz="3600">
+              <a:rPr lang="sr-Cyrl-RS" sz="3600" dirty="0" smtClean="0">
                 <a:solidFill>
                   <a:srgbClr val="2D3C50"/>
                 </a:solidFill>
                 <a:latin typeface="Bree Serif" panose="02000503040000020004" pitchFamily="2" charset="0"/>
               </a:rPr>
-              <a:t>Results</a:t>
-            </a:r>
-          </a:p>
-        </p:txBody>
-      </p:sp>
-      <p:sp>
-        <p:nvSpPr>
-          <p:cNvPr id="20" name="TextBox 19">
+              <a:t>Резултати</a:t>
+            </a:r>
+            <a:endParaRPr lang="en-US" sz="3600" dirty="0">
+              <a:solidFill>
+                <a:srgbClr val="2D3C50"/>
+              </a:solidFill>
+              <a:latin typeface="Bree Serif" panose="02000503040000020004" pitchFamily="2" charset="0"/>
+            </a:endParaRPr>
+          </a:p>
+        </p:txBody>
+      </p:sp>
+      <p:sp>
+        <p:nvSpPr>
+          <p:cNvPr id="24" name="TextBox 23">
             <a:extLst>
               <a:ext uri="{FF2B5EF4-FFF2-40B4-BE49-F238E27FC236}">
-                <a16:creationId xmlns:a16="http://schemas.microsoft.com/office/drawing/2014/main" xmlns:p15="http://schemas.microsoft.com/office/powerpoint/2012/main" xmlns:p14="http://schemas.microsoft.com/office/powerpoint/2010/main" xmlns="" id="{45ECDD11-8FA4-4EBC-9A33-A65B12940149}"/>
+                <a16:creationId xmlns:a16="http://schemas.microsoft.com/office/drawing/2014/main" xmlns:p15="http://schemas.microsoft.com/office/powerpoint/2012/main" xmlns:p14="http://schemas.microsoft.com/office/powerpoint/2010/main" xmlns="" id="{7E7FC927-124E-4EB7-9F44-39B075F9F524}"/>
               </a:ext>
             </a:extLst>
           </p:cNvPr>
@@ -4765,13 +5657,15 @@
         </p:nvSpPr>
         <p:spPr>
           <a:xfrm>
-            <a:off x="22336127" y="7714418"/>
-            <a:ext cx="9743310" cy="461665"/>
+            <a:off x="21838375" y="26825615"/>
+            <a:ext cx="10464148" cy="6093976"/>
           </a:xfrm>
           <a:prstGeom prst="rect">
             <a:avLst/>
           </a:prstGeom>
-          <a:noFill/>
+          <a:solidFill>
+            <a:srgbClr val="2D3C50"/>
+          </a:solidFill>
         </p:spPr>
         <p:txBody>
           <a:bodyPr wrap="square" rtlCol="0">
@@ -4779,9 +5673,9 @@
           </a:bodyPr>
           <a:lstStyle/>
           <a:p>
-            <a:pPr lvl="0"/>
-            <a:r>
-              <a:rPr lang="en-US" sz="2400">
+            <a:pPr lvl="0" algn="just"/>
+            <a:r>
+              <a:rPr lang="sr-Cyrl-RS" sz="2600" dirty="0" smtClean="0">
                 <a:solidFill>
                   <a:schemeClr val="bg1"/>
                 </a:solidFill>
@@ -4789,17 +5683,166 @@
                 <a:ea typeface="Open Sans" panose="020B0606030504020204" pitchFamily="34" charset="0"/>
                 <a:cs typeface="Open Sans" panose="020B0606030504020204" pitchFamily="34" charset="0"/>
               </a:rPr>
-              <a:t>Add your information, graphs and images to this section.</a:t>
-            </a:r>
-          </a:p>
-        </p:txBody>
-      </p:sp>
-      <p:sp>
-        <p:nvSpPr>
-          <p:cNvPr id="21" name="Rectangle 20">
+              <a:t>Неуронска мрежа представља најбоље решење за класификацију слика када је у питању више различитих класа ентитета на фотографијама.</a:t>
+            </a:r>
+          </a:p>
+          <a:p>
+            <a:pPr lvl="0" algn="just"/>
+            <a:endParaRPr lang="sr-Cyrl-RS" sz="2600" dirty="0">
+              <a:solidFill>
+                <a:schemeClr val="bg1"/>
+              </a:solidFill>
+              <a:latin typeface="Open Sans" panose="020B0606030504020204" pitchFamily="34" charset="0"/>
+              <a:ea typeface="Open Sans" panose="020B0606030504020204" pitchFamily="34" charset="0"/>
+              <a:cs typeface="Open Sans" panose="020B0606030504020204" pitchFamily="34" charset="0"/>
+            </a:endParaRPr>
+          </a:p>
+          <a:p>
+            <a:pPr lvl="0" algn="just"/>
+            <a:r>
+              <a:rPr lang="sr-Cyrl-RS" sz="2600" dirty="0" smtClean="0">
+                <a:solidFill>
+                  <a:schemeClr val="bg1"/>
+                </a:solidFill>
+                <a:latin typeface="Open Sans" panose="020B0606030504020204" pitchFamily="34" charset="0"/>
+                <a:ea typeface="Open Sans" panose="020B0606030504020204" pitchFamily="34" charset="0"/>
+                <a:cs typeface="Open Sans" panose="020B0606030504020204" pitchFamily="34" charset="0"/>
+              </a:rPr>
+              <a:t>Конкретно решење </a:t>
+            </a:r>
+            <a:r>
+              <a:rPr lang="sr-Cyrl-RS" sz="2600" dirty="0" smtClean="0">
+                <a:solidFill>
+                  <a:schemeClr val="bg1"/>
+                </a:solidFill>
+                <a:latin typeface="Open Sans" panose="020B0606030504020204" pitchFamily="34" charset="0"/>
+                <a:ea typeface="Open Sans" panose="020B0606030504020204" pitchFamily="34" charset="0"/>
+                <a:cs typeface="Open Sans" panose="020B0606030504020204" pitchFamily="34" charset="0"/>
+              </a:rPr>
+              <a:t>које користи </a:t>
+            </a:r>
+            <a:r>
+              <a:rPr lang="en-US" sz="2600" i="1" dirty="0" smtClean="0">
+                <a:solidFill>
+                  <a:schemeClr val="bg1"/>
+                </a:solidFill>
+                <a:latin typeface="Open Sans" panose="020B0606030504020204" pitchFamily="34" charset="0"/>
+                <a:ea typeface="Open Sans" panose="020B0606030504020204" pitchFamily="34" charset="0"/>
+                <a:cs typeface="Open Sans" panose="020B0606030504020204" pitchFamily="34" charset="0"/>
+              </a:rPr>
+              <a:t>‘HOG</a:t>
+            </a:r>
+            <a:r>
+              <a:rPr lang="sr-Cyrl-RS" sz="2600" i="1" dirty="0" smtClean="0">
+                <a:solidFill>
+                  <a:schemeClr val="bg1"/>
+                </a:solidFill>
+                <a:latin typeface="Open Sans" panose="020B0606030504020204" pitchFamily="34" charset="0"/>
+                <a:ea typeface="Open Sans" panose="020B0606030504020204" pitchFamily="34" charset="0"/>
+                <a:cs typeface="Open Sans" panose="020B0606030504020204" pitchFamily="34" charset="0"/>
+              </a:rPr>
+              <a:t> </a:t>
+            </a:r>
+            <a:r>
+              <a:rPr lang="en-US" sz="2600" i="1" dirty="0" smtClean="0">
+                <a:solidFill>
+                  <a:schemeClr val="bg1"/>
+                </a:solidFill>
+                <a:latin typeface="Open Sans" panose="020B0606030504020204" pitchFamily="34" charset="0"/>
+                <a:ea typeface="Open Sans" panose="020B0606030504020204" pitchFamily="34" charset="0"/>
+                <a:cs typeface="Open Sans" panose="020B0606030504020204" pitchFamily="34" charset="0"/>
+              </a:rPr>
+              <a:t>DESCRIPTOR’</a:t>
+            </a:r>
+            <a:r>
+              <a:rPr lang="sr-Cyrl-RS" sz="2600" i="1" dirty="0" smtClean="0">
+                <a:solidFill>
+                  <a:schemeClr val="bg1"/>
+                </a:solidFill>
+                <a:latin typeface="Open Sans" panose="020B0606030504020204" pitchFamily="34" charset="0"/>
+                <a:ea typeface="Open Sans" panose="020B0606030504020204" pitchFamily="34" charset="0"/>
+                <a:cs typeface="Open Sans" panose="020B0606030504020204" pitchFamily="34" charset="0"/>
+              </a:rPr>
+              <a:t> </a:t>
+            </a:r>
+            <a:r>
+              <a:rPr lang="sr-Cyrl-RS" sz="2600" dirty="0" smtClean="0">
+                <a:solidFill>
+                  <a:schemeClr val="bg1"/>
+                </a:solidFill>
+                <a:latin typeface="Open Sans" panose="020B0606030504020204" pitchFamily="34" charset="0"/>
+                <a:ea typeface="Open Sans" panose="020B0606030504020204" pitchFamily="34" charset="0"/>
+                <a:cs typeface="Open Sans" panose="020B0606030504020204" pitchFamily="34" charset="0"/>
+              </a:rPr>
+              <a:t>може бити коришћено уколико радимо са на пример 2 ентитета.</a:t>
+            </a:r>
+          </a:p>
+          <a:p>
+            <a:pPr lvl="0" algn="just"/>
+            <a:endParaRPr lang="sr-Cyrl-RS" sz="2600" dirty="0">
+              <a:solidFill>
+                <a:schemeClr val="bg1"/>
+              </a:solidFill>
+              <a:latin typeface="Open Sans" panose="020B0606030504020204" pitchFamily="34" charset="0"/>
+              <a:ea typeface="Open Sans" panose="020B0606030504020204" pitchFamily="34" charset="0"/>
+              <a:cs typeface="Open Sans" panose="020B0606030504020204" pitchFamily="34" charset="0"/>
+            </a:endParaRPr>
+          </a:p>
+          <a:p>
+            <a:pPr lvl="0" algn="just"/>
+            <a:r>
+              <a:rPr lang="sr-Cyrl-RS" sz="2600" dirty="0" smtClean="0">
+                <a:solidFill>
+                  <a:schemeClr val="bg1"/>
+                </a:solidFill>
+                <a:latin typeface="Open Sans" panose="020B0606030504020204" pitchFamily="34" charset="0"/>
+                <a:ea typeface="Open Sans" panose="020B0606030504020204" pitchFamily="34" charset="0"/>
+                <a:cs typeface="Open Sans" panose="020B0606030504020204" pitchFamily="34" charset="0"/>
+              </a:rPr>
+              <a:t>Неуронска мрежа је повољна за мноштво комбинација јер се распоред слојева у њој може мењати и тиме у многоме варирати понашање читавог скупа.</a:t>
+            </a:r>
+          </a:p>
+          <a:p>
+            <a:pPr lvl="0" algn="just"/>
+            <a:endParaRPr lang="sr-Cyrl-RS" sz="2600" dirty="0">
+              <a:solidFill>
+                <a:schemeClr val="bg1"/>
+              </a:solidFill>
+              <a:latin typeface="Open Sans" panose="020B0606030504020204" pitchFamily="34" charset="0"/>
+              <a:ea typeface="Open Sans" panose="020B0606030504020204" pitchFamily="34" charset="0"/>
+              <a:cs typeface="Open Sans" panose="020B0606030504020204" pitchFamily="34" charset="0"/>
+            </a:endParaRPr>
+          </a:p>
+          <a:p>
+            <a:pPr lvl="0" algn="just"/>
+            <a:r>
+              <a:rPr lang="sr-Cyrl-RS" sz="2600" dirty="0" smtClean="0">
+                <a:solidFill>
+                  <a:schemeClr val="bg1"/>
+                </a:solidFill>
+                <a:latin typeface="Open Sans" panose="020B0606030504020204" pitchFamily="34" charset="0"/>
+                <a:ea typeface="Open Sans" panose="020B0606030504020204" pitchFamily="34" charset="0"/>
+                <a:cs typeface="Open Sans" panose="020B0606030504020204" pitchFamily="34" charset="0"/>
+              </a:rPr>
+              <a:t>Тренинг скуп у овом случају није био довољно обиман јер скуп од 320 фотографија већ у 13. епохи доводи до прецизности тренинга од 100% и једино решење за то у овом тренутку јесте повећање тренинг скупа података.</a:t>
+            </a:r>
+            <a:endParaRPr lang="en-US" sz="2600" dirty="0">
+              <a:solidFill>
+                <a:schemeClr val="bg1"/>
+              </a:solidFill>
+              <a:latin typeface="Open Sans" panose="020B0606030504020204" pitchFamily="34" charset="0"/>
+              <a:ea typeface="Open Sans" panose="020B0606030504020204" pitchFamily="34" charset="0"/>
+              <a:cs typeface="Open Sans" panose="020B0606030504020204" pitchFamily="34" charset="0"/>
+            </a:endParaRPr>
+          </a:p>
+        </p:txBody>
+      </p:sp>
+      <p:sp>
+        <p:nvSpPr>
+          <p:cNvPr id="25" name="Rectangle 24">
             <a:extLst>
               <a:ext uri="{FF2B5EF4-FFF2-40B4-BE49-F238E27FC236}">
-                <a16:creationId xmlns:a16="http://schemas.microsoft.com/office/drawing/2014/main" xmlns:p15="http://schemas.microsoft.com/office/powerpoint/2012/main" xmlns:p14="http://schemas.microsoft.com/office/powerpoint/2010/main" xmlns="" id="{C59F2BED-4EC3-48A3-AA9E-8C76922558DA}"/>
+                <a16:creationId xmlns:a16="http://schemas.microsoft.com/office/drawing/2014/main" xmlns:p15="http://schemas.microsoft.com/office/powerpoint/2012/main" xmlns:p14="http://schemas.microsoft.com/office/powerpoint/2010/main" xmlns="" id="{BBB0E07D-E054-42DE-A138-31D324E10705}"/>
               </a:ext>
             </a:extLst>
           </p:cNvPr>
@@ -4808,8 +5851,8 @@
         </p:nvSpPr>
         <p:spPr>
           <a:xfrm>
-            <a:off x="22357215" y="6633033"/>
-            <a:ext cx="9812833" cy="914400"/>
+            <a:off x="21838375" y="25273795"/>
+            <a:ext cx="10464148" cy="914400"/>
           </a:xfrm>
           <a:prstGeom prst="rect">
             <a:avLst/>
@@ -4843,66 +5886,119 @@
           <a:p>
             <a:pPr algn="ctr"/>
             <a:r>
-              <a:rPr lang="en-US" sz="3600">
+              <a:rPr lang="sr-Cyrl-RS" sz="3600" dirty="0" smtClean="0">
                 <a:solidFill>
                   <a:srgbClr val="2D3C50"/>
                 </a:solidFill>
                 <a:latin typeface="Bree Serif" panose="02000503040000020004" pitchFamily="2" charset="0"/>
               </a:rPr>
-              <a:t>Conclusion</a:t>
-            </a:r>
-          </a:p>
-        </p:txBody>
-      </p:sp>
-      <p:sp>
-        <p:nvSpPr>
-          <p:cNvPr id="24" name="TextBox 23">
+              <a:t>Закључак</a:t>
+            </a:r>
+            <a:endParaRPr lang="en-US" sz="3600" dirty="0">
+              <a:solidFill>
+                <a:srgbClr val="2D3C50"/>
+              </a:solidFill>
+              <a:latin typeface="Bree Serif" panose="02000503040000020004" pitchFamily="2" charset="0"/>
+            </a:endParaRPr>
+          </a:p>
+        </p:txBody>
+      </p:sp>
+      <p:pic>
+        <p:nvPicPr>
+          <p:cNvPr id="5" name="Picture 4"/>
+          <p:cNvPicPr>
+            <a:picLocks noChangeAspect="1"/>
+          </p:cNvPicPr>
+          <p:nvPr/>
+        </p:nvPicPr>
+        <p:blipFill>
+          <a:blip r:embed="rId3">
             <a:extLst>
-              <a:ext uri="{FF2B5EF4-FFF2-40B4-BE49-F238E27FC236}">
-                <a16:creationId xmlns:a16="http://schemas.microsoft.com/office/drawing/2014/main" xmlns:p15="http://schemas.microsoft.com/office/powerpoint/2012/main" xmlns:p14="http://schemas.microsoft.com/office/powerpoint/2010/main" xmlns="" id="{7E7FC927-124E-4EB7-9F44-39B075F9F524}"/>
+              <a:ext uri="{28A0092B-C50C-407E-A947-70E740481C1C}">
+                <a14:useLocalDpi xmlns:a14="http://schemas.microsoft.com/office/drawing/2010/main" val="0"/>
               </a:ext>
             </a:extLst>
-          </p:cNvPr>
-          <p:cNvSpPr txBox="1"/>
-          <p:nvPr/>
-        </p:nvSpPr>
+          </a:blip>
+          <a:stretch>
+            <a:fillRect/>
+          </a:stretch>
+        </p:blipFill>
         <p:spPr>
           <a:xfrm>
-            <a:off x="22321731" y="24455735"/>
-            <a:ext cx="9743310" cy="461665"/>
+            <a:off x="22135604" y="8435608"/>
+            <a:ext cx="10464148" cy="4062651"/>
           </a:xfrm>
           <a:prstGeom prst="rect">
             <a:avLst/>
           </a:prstGeom>
-          <a:noFill/>
         </p:spPr>
-        <p:txBody>
-          <a:bodyPr wrap="square" rtlCol="0">
-            <a:spAutoFit/>
-          </a:bodyPr>
-          <a:lstStyle/>
-          <a:p>
-            <a:pPr lvl="0"/>
-            <a:r>
-              <a:rPr lang="en-US" sz="2400">
-                <a:solidFill>
-                  <a:schemeClr val="bg1"/>
-                </a:solidFill>
-                <a:latin typeface="Open Sans" panose="020B0606030504020204" pitchFamily="34" charset="0"/>
-                <a:ea typeface="Open Sans" panose="020B0606030504020204" pitchFamily="34" charset="0"/>
-                <a:cs typeface="Open Sans" panose="020B0606030504020204" pitchFamily="34" charset="0"/>
-              </a:rPr>
-              <a:t>Add your information, graphs and images to this section.</a:t>
-            </a:r>
-          </a:p>
-        </p:txBody>
-      </p:sp>
-      <p:sp>
-        <p:nvSpPr>
-          <p:cNvPr id="25" name="Rectangle 24">
+      </p:pic>
+      <p:pic>
+        <p:nvPicPr>
+          <p:cNvPr id="6" name="Picture 5"/>
+          <p:cNvPicPr>
+            <a:picLocks noChangeAspect="1"/>
+          </p:cNvPicPr>
+          <p:nvPr/>
+        </p:nvPicPr>
+        <p:blipFill>
+          <a:blip r:embed="rId4">
+            <a:extLst>
+              <a:ext uri="{28A0092B-C50C-407E-A947-70E740481C1C}">
+                <a14:useLocalDpi xmlns:a14="http://schemas.microsoft.com/office/drawing/2010/main" val="0"/>
+              </a:ext>
+            </a:extLst>
+          </a:blip>
+          <a:stretch>
+            <a:fillRect/>
+          </a:stretch>
+        </p:blipFill>
+        <p:spPr>
+          <a:xfrm>
+            <a:off x="3326722" y="14765078"/>
+            <a:ext cx="4752975" cy="4972050"/>
+          </a:xfrm>
+          <a:prstGeom prst="rect">
+            <a:avLst/>
+          </a:prstGeom>
+        </p:spPr>
+      </p:pic>
+      <p:pic>
+        <p:nvPicPr>
+          <p:cNvPr id="7" name="Picture 6"/>
+          <p:cNvPicPr>
+            <a:picLocks noChangeAspect="1"/>
+          </p:cNvPicPr>
+          <p:nvPr/>
+        </p:nvPicPr>
+        <p:blipFill>
+          <a:blip r:embed="rId5">
+            <a:extLst>
+              <a:ext uri="{28A0092B-C50C-407E-A947-70E740481C1C}">
+                <a14:useLocalDpi xmlns:a14="http://schemas.microsoft.com/office/drawing/2010/main" val="0"/>
+              </a:ext>
+            </a:extLst>
+          </a:blip>
+          <a:stretch>
+            <a:fillRect/>
+          </a:stretch>
+        </p:blipFill>
+        <p:spPr>
+          <a:xfrm>
+            <a:off x="11653845" y="16602903"/>
+            <a:ext cx="20945905" cy="7011728"/>
+          </a:xfrm>
+          <a:prstGeom prst="rect">
+            <a:avLst/>
+          </a:prstGeom>
+        </p:spPr>
+      </p:pic>
+      <p:sp>
+        <p:nvSpPr>
+          <p:cNvPr id="26" name="Rectangle 25">
             <a:extLst>
               <a:ext uri="{FF2B5EF4-FFF2-40B4-BE49-F238E27FC236}">
-                <a16:creationId xmlns:a16="http://schemas.microsoft.com/office/drawing/2014/main" xmlns:p15="http://schemas.microsoft.com/office/powerpoint/2012/main" xmlns:p14="http://schemas.microsoft.com/office/powerpoint/2010/main" xmlns="" id="{BBB0E07D-E054-42DE-A138-31D324E10705}"/>
+                <a16:creationId xmlns:a16="http://schemas.microsoft.com/office/drawing/2014/main" xmlns:p15="http://schemas.microsoft.com/office/powerpoint/2012/main" xmlns:p14="http://schemas.microsoft.com/office/powerpoint/2010/main" xmlns="" id="{B2352664-69B3-4116-8179-FBD03FBE287B}"/>
               </a:ext>
             </a:extLst>
           </p:cNvPr>
@@ -4911,8 +6007,8 @@
         </p:nvSpPr>
         <p:spPr>
           <a:xfrm>
-            <a:off x="22286968" y="23374348"/>
-            <a:ext cx="9812833" cy="914400"/>
+            <a:off x="11615746" y="14765078"/>
+            <a:ext cx="20984005" cy="974911"/>
           </a:xfrm>
           <a:prstGeom prst="rect">
             <a:avLst/>
@@ -4946,14 +6042,20 @@
           <a:p>
             <a:pPr algn="ctr"/>
             <a:r>
-              <a:rPr lang="en-US" sz="3600">
+              <a:rPr lang="sr-Cyrl-RS" sz="3600" dirty="0" smtClean="0">
                 <a:solidFill>
                   <a:srgbClr val="2D3C50"/>
                 </a:solidFill>
                 <a:latin typeface="Bree Serif" panose="02000503040000020004" pitchFamily="2" charset="0"/>
               </a:rPr>
-              <a:t>Acknowledgements</a:t>
-            </a:r>
+              <a:t>Шематски приказ протока фотографије кроз неуронску мрежу од улаза до излаза</a:t>
+            </a:r>
+            <a:endParaRPr lang="en-US" sz="3600" dirty="0">
+              <a:solidFill>
+                <a:srgbClr val="2D3C50"/>
+              </a:solidFill>
+              <a:latin typeface="Bree Serif" panose="02000503040000020004" pitchFamily="2" charset="0"/>
+            </a:endParaRPr>
           </a:p>
         </p:txBody>
       </p:sp>
@@ -4968,6 +6070,13 @@
     <a:masterClrMapping/>
   </p:clrMapOvr>
   <p:transition/>
+  <p:timing>
+    <p:tnLst>
+      <p:par>
+        <p:cTn id="1" dur="indefinite" restart="never" nodeType="tmRoot"/>
+      </p:par>
+    </p:tnLst>
+  </p:timing>
 </p:sld>
 </file>
 
@@ -5265,4 +6374,265 @@
   <a:objectDefaults/>
   <a:extraClrSchemeLst/>
 </a:theme>
+</file>
+
+<file path=ppt/theme/theme2.xml><?xml version="1.0" encoding="utf-8"?>
+<a:theme xmlns:a="http://schemas.openxmlformats.org/drawingml/2006/main" name="Office Theme">
+  <a:themeElements>
+    <a:clrScheme name="Office">
+      <a:dk1>
+        <a:sysClr val="windowText" lastClr="000000"/>
+      </a:dk1>
+      <a:lt1>
+        <a:sysClr val="window" lastClr="FFFFFF"/>
+      </a:lt1>
+      <a:dk2>
+        <a:srgbClr val="44546A"/>
+      </a:dk2>
+      <a:lt2>
+        <a:srgbClr val="E7E6E6"/>
+      </a:lt2>
+      <a:accent1>
+        <a:srgbClr val="5B9BD5"/>
+      </a:accent1>
+      <a:accent2>
+        <a:srgbClr val="ED7D31"/>
+      </a:accent2>
+      <a:accent3>
+        <a:srgbClr val="A5A5A5"/>
+      </a:accent3>
+      <a:accent4>
+        <a:srgbClr val="FFC000"/>
+      </a:accent4>
+      <a:accent5>
+        <a:srgbClr val="4472C4"/>
+      </a:accent5>
+      <a:accent6>
+        <a:srgbClr val="70AD47"/>
+      </a:accent6>
+      <a:hlink>
+        <a:srgbClr val="0563C1"/>
+      </a:hlink>
+      <a:folHlink>
+        <a:srgbClr val="954F72"/>
+      </a:folHlink>
+    </a:clrScheme>
+    <a:fontScheme name="Office">
+      <a:majorFont>
+        <a:latin typeface="Calibri Light" panose="020F0302020204030204"/>
+        <a:ea typeface=""/>
+        <a:cs typeface=""/>
+        <a:font script="Jpan" typeface="ＭＳ Ｐゴシック"/>
+        <a:font script="Hang" typeface="맑은 고딕"/>
+        <a:font script="Hans" typeface="宋体"/>
+        <a:font script="Hant" typeface="新細明體"/>
+        <a:font script="Arab" typeface="Times New Roman"/>
+        <a:font script="Hebr" typeface="Times New Roman"/>
+        <a:font script="Thai" typeface="Angsana New"/>
+        <a:font script="Ethi" typeface="Nyala"/>
+        <a:font script="Beng" typeface="Vrinda"/>
+        <a:font script="Gujr" typeface="Shruti"/>
+        <a:font script="Khmr" typeface="MoolBoran"/>
+        <a:font script="Knda" typeface="Tunga"/>
+        <a:font script="Guru" typeface="Raavi"/>
+        <a:font script="Cans" typeface="Euphemia"/>
+        <a:font script="Cher" typeface="Plantagenet Cherokee"/>
+        <a:font script="Yiii" typeface="Microsoft Yi Baiti"/>
+        <a:font script="Tibt" typeface="Microsoft Himalaya"/>
+        <a:font script="Thaa" typeface="MV Boli"/>
+        <a:font script="Deva" typeface="Mangal"/>
+        <a:font script="Telu" typeface="Gautami"/>
+        <a:font script="Taml" typeface="Latha"/>
+        <a:font script="Syrc" typeface="Estrangelo Edessa"/>
+        <a:font script="Orya" typeface="Kalinga"/>
+        <a:font script="Mlym" typeface="Kartika"/>
+        <a:font script="Laoo" typeface="DokChampa"/>
+        <a:font script="Sinh" typeface="Iskoola Pota"/>
+        <a:font script="Mong" typeface="Mongolian Baiti"/>
+        <a:font script="Viet" typeface="Times New Roman"/>
+        <a:font script="Uigh" typeface="Microsoft Uighur"/>
+        <a:font script="Geor" typeface="Sylfaen"/>
+      </a:majorFont>
+      <a:minorFont>
+        <a:latin typeface="Calibri" panose="020F0502020204030204"/>
+        <a:ea typeface=""/>
+        <a:cs typeface=""/>
+        <a:font script="Jpan" typeface="ＭＳ Ｐゴシック"/>
+        <a:font script="Hang" typeface="맑은 고딕"/>
+        <a:font script="Hans" typeface="宋体"/>
+        <a:font script="Hant" typeface="新細明體"/>
+        <a:font script="Arab" typeface="Arial"/>
+        <a:font script="Hebr" typeface="Arial"/>
+        <a:font script="Thai" typeface="Cordia New"/>
+        <a:font script="Ethi" typeface="Nyala"/>
+        <a:font script="Beng" typeface="Vrinda"/>
+        <a:font script="Gujr" typeface="Shruti"/>
+        <a:font script="Khmr" typeface="DaunPenh"/>
+        <a:font script="Knda" typeface="Tunga"/>
+        <a:font script="Guru" typeface="Raavi"/>
+        <a:font script="Cans" typeface="Euphemia"/>
+        <a:font script="Cher" typeface="Plantagenet Cherokee"/>
+        <a:font script="Yiii" typeface="Microsoft Yi Baiti"/>
+        <a:font script="Tibt" typeface="Microsoft Himalaya"/>
+        <a:font script="Thaa" typeface="MV Boli"/>
+        <a:font script="Deva" typeface="Mangal"/>
+        <a:font script="Telu" typeface="Gautami"/>
+        <a:font script="Taml" typeface="Latha"/>
+        <a:font script="Syrc" typeface="Estrangelo Edessa"/>
+        <a:font script="Orya" typeface="Kalinga"/>
+        <a:font script="Mlym" typeface="Kartika"/>
+        <a:font script="Laoo" typeface="DokChampa"/>
+        <a:font script="Sinh" typeface="Iskoola Pota"/>
+        <a:font script="Mong" typeface="Mongolian Baiti"/>
+        <a:font script="Viet" typeface="Arial"/>
+        <a:font script="Uigh" typeface="Microsoft Uighur"/>
+        <a:font script="Geor" typeface="Sylfaen"/>
+      </a:minorFont>
+    </a:fontScheme>
+    <a:fmtScheme name="Office">
+      <a:fillStyleLst>
+        <a:solidFill>
+          <a:schemeClr val="phClr"/>
+        </a:solidFill>
+        <a:gradFill rotWithShape="1">
+          <a:gsLst>
+            <a:gs pos="0">
+              <a:schemeClr val="phClr">
+                <a:lumMod val="110000"/>
+                <a:satMod val="105000"/>
+                <a:tint val="67000"/>
+              </a:schemeClr>
+            </a:gs>
+            <a:gs pos="50000">
+              <a:schemeClr val="phClr">
+                <a:lumMod val="105000"/>
+                <a:satMod val="103000"/>
+                <a:tint val="73000"/>
+              </a:schemeClr>
+            </a:gs>
+            <a:gs pos="100000">
+              <a:schemeClr val="phClr">
+                <a:lumMod val="105000"/>
+                <a:satMod val="109000"/>
+                <a:tint val="81000"/>
+              </a:schemeClr>
+            </a:gs>
+          </a:gsLst>
+          <a:lin ang="5400000" scaled="0"/>
+        </a:gradFill>
+        <a:gradFill rotWithShape="1">
+          <a:gsLst>
+            <a:gs pos="0">
+              <a:schemeClr val="phClr">
+                <a:satMod val="103000"/>
+                <a:lumMod val="102000"/>
+                <a:tint val="94000"/>
+              </a:schemeClr>
+            </a:gs>
+            <a:gs pos="50000">
+              <a:schemeClr val="phClr">
+                <a:satMod val="110000"/>
+                <a:lumMod val="100000"/>
+                <a:shade val="100000"/>
+              </a:schemeClr>
+            </a:gs>
+            <a:gs pos="100000">
+              <a:schemeClr val="phClr">
+                <a:lumMod val="99000"/>
+                <a:satMod val="120000"/>
+                <a:shade val="78000"/>
+              </a:schemeClr>
+            </a:gs>
+          </a:gsLst>
+          <a:lin ang="5400000" scaled="0"/>
+        </a:gradFill>
+      </a:fillStyleLst>
+      <a:lnStyleLst>
+        <a:ln w="6350" cap="flat" cmpd="sng" algn="ctr">
+          <a:solidFill>
+            <a:schemeClr val="phClr"/>
+          </a:solidFill>
+          <a:prstDash val="solid"/>
+          <a:miter lim="800000"/>
+        </a:ln>
+        <a:ln w="12700" cap="flat" cmpd="sng" algn="ctr">
+          <a:solidFill>
+            <a:schemeClr val="phClr"/>
+          </a:solidFill>
+          <a:prstDash val="solid"/>
+          <a:miter lim="800000"/>
+        </a:ln>
+        <a:ln w="19050" cap="flat" cmpd="sng" algn="ctr">
+          <a:solidFill>
+            <a:schemeClr val="phClr"/>
+          </a:solidFill>
+          <a:prstDash val="solid"/>
+          <a:miter lim="800000"/>
+        </a:ln>
+      </a:lnStyleLst>
+      <a:effectStyleLst>
+        <a:effectStyle>
+          <a:effectLst/>
+        </a:effectStyle>
+        <a:effectStyle>
+          <a:effectLst/>
+        </a:effectStyle>
+        <a:effectStyle>
+          <a:effectLst>
+            <a:outerShdw blurRad="57150" dist="19050" dir="5400000" algn="ctr" rotWithShape="0">
+              <a:srgbClr val="000000">
+                <a:alpha val="63000"/>
+              </a:srgbClr>
+            </a:outerShdw>
+          </a:effectLst>
+        </a:effectStyle>
+      </a:effectStyleLst>
+      <a:bgFillStyleLst>
+        <a:solidFill>
+          <a:schemeClr val="phClr"/>
+        </a:solidFill>
+        <a:solidFill>
+          <a:schemeClr val="phClr">
+            <a:tint val="95000"/>
+            <a:satMod val="170000"/>
+          </a:schemeClr>
+        </a:solidFill>
+        <a:gradFill rotWithShape="1">
+          <a:gsLst>
+            <a:gs pos="0">
+              <a:schemeClr val="phClr">
+                <a:tint val="93000"/>
+                <a:satMod val="150000"/>
+                <a:shade val="98000"/>
+                <a:lumMod val="102000"/>
+              </a:schemeClr>
+            </a:gs>
+            <a:gs pos="50000">
+              <a:schemeClr val="phClr">
+                <a:tint val="98000"/>
+                <a:satMod val="130000"/>
+                <a:shade val="90000"/>
+                <a:lumMod val="103000"/>
+              </a:schemeClr>
+            </a:gs>
+            <a:gs pos="100000">
+              <a:schemeClr val="phClr">
+                <a:shade val="63000"/>
+                <a:satMod val="120000"/>
+              </a:schemeClr>
+            </a:gs>
+          </a:gsLst>
+          <a:lin ang="5400000" scaled="0"/>
+        </a:gradFill>
+      </a:bgFillStyleLst>
+    </a:fmtScheme>
+  </a:themeElements>
+  <a:objectDefaults/>
+  <a:extraClrSchemeLst/>
+  <a:extLst>
+    <a:ext uri="{05A4C25C-085E-4340-85A3-A5531E510DB2}">
+      <thm15:themeFamily xmlns:thm15="http://schemas.microsoft.com/office/thememl/2012/main" name="Office Theme" id="{62F939B6-93AF-4DB8-9C6B-D6C7DFDC589F}" vid="{4A3C46E8-61CC-4603-A589-7422A47A8E4A}"/>
+    </a:ext>
+  </a:extLst>
+</a:theme>
 </file>
--- a/poster/ProjectPoster.pptx
+++ b/poster/ProjectPoster.pptx
@@ -14,15 +14,15 @@
   <p:notesSz cx="6858000" cy="9144000"/>
   <p:embeddedFontLst>
     <p:embeddedFont>
-      <p:font typeface="Open Sans" panose="020B0604020202020204" charset="0"/>
+      <p:font typeface="Bree Serif" panose="020B0604020202020204" charset="0"/>
       <p:regular r:id="rId4"/>
-      <p:bold r:id="rId5"/>
-      <p:italic r:id="rId6"/>
-      <p:boldItalic r:id="rId7"/>
     </p:embeddedFont>
     <p:embeddedFont>
-      <p:font typeface="Bree Serif" panose="020B0604020202020204" charset="0"/>
-      <p:regular r:id="rId8"/>
+      <p:font typeface="Open Sans" panose="020B0604020202020204" charset="0"/>
+      <p:regular r:id="rId5"/>
+      <p:bold r:id="rId6"/>
+      <p:italic r:id="rId7"/>
+      <p:boldItalic r:id="rId8"/>
     </p:embeddedFont>
     <p:embeddedFont>
       <p:font typeface="Calibri" panose="020F0502020204030204" pitchFamily="34" charset="0"/>
@@ -777,7 +777,7 @@
           <a:p>
             <a:fld id="{DA9272B4-7553-4446-919C-DDAC3A89012F}" type="datetimeFigureOut">
               <a:rPr lang="en-US" smtClean="0"/>
-              <a:t>2/19/2020</a:t>
+              <a:t>2/20/2020</a:t>
             </a:fld>
             <a:endParaRPr lang="en-US"/>
           </a:p>
@@ -946,7 +946,7 @@
           <a:p>
             <a:fld id="{DA9272B4-7553-4446-919C-DDAC3A89012F}" type="datetimeFigureOut">
               <a:rPr lang="en-US" smtClean="0"/>
-              <a:t>2/19/2020</a:t>
+              <a:t>2/20/2020</a:t>
             </a:fld>
             <a:endParaRPr lang="en-US"/>
           </a:p>
@@ -1125,7 +1125,7 @@
           <a:p>
             <a:fld id="{DA9272B4-7553-4446-919C-DDAC3A89012F}" type="datetimeFigureOut">
               <a:rPr lang="en-US" smtClean="0"/>
-              <a:t>2/19/2020</a:t>
+              <a:t>2/20/2020</a:t>
             </a:fld>
             <a:endParaRPr lang="en-US"/>
           </a:p>
@@ -1294,7 +1294,7 @@
           <a:p>
             <a:fld id="{DA9272B4-7553-4446-919C-DDAC3A89012F}" type="datetimeFigureOut">
               <a:rPr lang="en-US" smtClean="0"/>
-              <a:t>2/19/2020</a:t>
+              <a:t>2/20/2020</a:t>
             </a:fld>
             <a:endParaRPr lang="en-US"/>
           </a:p>
@@ -1540,7 +1540,7 @@
           <a:p>
             <a:fld id="{DA9272B4-7553-4446-919C-DDAC3A89012F}" type="datetimeFigureOut">
               <a:rPr lang="en-US" smtClean="0"/>
-              <a:t>2/19/2020</a:t>
+              <a:t>2/20/2020</a:t>
             </a:fld>
             <a:endParaRPr lang="en-US"/>
           </a:p>
@@ -1826,7 +1826,7 @@
           <a:p>
             <a:fld id="{DA9272B4-7553-4446-919C-DDAC3A89012F}" type="datetimeFigureOut">
               <a:rPr lang="en-US" smtClean="0"/>
-              <a:t>2/19/2020</a:t>
+              <a:t>2/20/2020</a:t>
             </a:fld>
             <a:endParaRPr lang="en-US"/>
           </a:p>
@@ -2246,7 +2246,7 @@
           <a:p>
             <a:fld id="{DA9272B4-7553-4446-919C-DDAC3A89012F}" type="datetimeFigureOut">
               <a:rPr lang="en-US" smtClean="0"/>
-              <a:t>2/19/2020</a:t>
+              <a:t>2/20/2020</a:t>
             </a:fld>
             <a:endParaRPr lang="en-US"/>
           </a:p>
@@ -2364,7 +2364,7 @@
           <a:p>
             <a:fld id="{DA9272B4-7553-4446-919C-DDAC3A89012F}" type="datetimeFigureOut">
               <a:rPr lang="en-US" smtClean="0"/>
-              <a:t>2/19/2020</a:t>
+              <a:t>2/20/2020</a:t>
             </a:fld>
             <a:endParaRPr lang="en-US"/>
           </a:p>
@@ -2460,7 +2460,7 @@
           <a:p>
             <a:fld id="{DA9272B4-7553-4446-919C-DDAC3A89012F}" type="datetimeFigureOut">
               <a:rPr lang="en-US" smtClean="0"/>
-              <a:t>2/19/2020</a:t>
+              <a:t>2/20/2020</a:t>
             </a:fld>
             <a:endParaRPr lang="en-US"/>
           </a:p>
@@ -2736,7 +2736,7 @@
           <a:p>
             <a:fld id="{DA9272B4-7553-4446-919C-DDAC3A89012F}" type="datetimeFigureOut">
               <a:rPr lang="en-US" smtClean="0"/>
-              <a:t>2/19/2020</a:t>
+              <a:t>2/20/2020</a:t>
             </a:fld>
             <a:endParaRPr lang="en-US"/>
           </a:p>
@@ -2989,7 +2989,7 @@
           <a:p>
             <a:fld id="{DA9272B4-7553-4446-919C-DDAC3A89012F}" type="datetimeFigureOut">
               <a:rPr lang="en-US" smtClean="0"/>
-              <a:t>2/19/2020</a:t>
+              <a:t>2/20/2020</a:t>
             </a:fld>
             <a:endParaRPr lang="en-US"/>
           </a:p>
@@ -3201,7 +3201,7 @@
           <a:p>
             <a:fld id="{DA9272B4-7553-4446-919C-DDAC3A89012F}" type="datetimeFigureOut">
               <a:rPr lang="en-US" smtClean="0"/>
-              <a:t>2/19/2020</a:t>
+              <a:t>2/20/2020</a:t>
             </a:fld>
             <a:endParaRPr lang="en-US" dirty="0"/>
           </a:p>
@@ -3718,7 +3718,7 @@
         </p:nvSpPr>
         <p:spPr>
           <a:xfrm>
-            <a:off x="152399" y="4751029"/>
+            <a:off x="225670" y="3608726"/>
             <a:ext cx="32918400" cy="28803600"/>
           </a:xfrm>
           <a:prstGeom prst="rect">
@@ -3773,7 +3773,7 @@
           <p:cNvPr id="2" name="Group 1">
             <a:extLst>
               <a:ext uri="{FF2B5EF4-FFF2-40B4-BE49-F238E27FC236}">
-                <a16:creationId xmlns:a16="http://schemas.microsoft.com/office/drawing/2014/main" xmlns:p15="http://schemas.microsoft.com/office/powerpoint/2012/main" xmlns:p14="http://schemas.microsoft.com/office/powerpoint/2010/main" xmlns="" id="{B3381F70-485A-4C51-9258-DAB4597CCF47}"/>
+                <a16:creationId xmlns="" xmlns:p14="http://schemas.microsoft.com/office/powerpoint/2010/main" xmlns:p15="http://schemas.microsoft.com/office/powerpoint/2012/main" xmlns:a16="http://schemas.microsoft.com/office/drawing/2014/main" id="{B3381F70-485A-4C51-9258-DAB4597CCF47}"/>
               </a:ext>
             </a:extLst>
           </p:cNvPr>
@@ -4095,7 +4095,7 @@
           <p:cNvPr id="14" name="Text Placeholder 5">
             <a:extLst>
               <a:ext uri="{FF2B5EF4-FFF2-40B4-BE49-F238E27FC236}">
-                <a16:creationId xmlns:a16="http://schemas.microsoft.com/office/drawing/2014/main" xmlns:p15="http://schemas.microsoft.com/office/powerpoint/2012/main" xmlns:p14="http://schemas.microsoft.com/office/powerpoint/2010/main" xmlns="" id="{96D93ECD-B6C6-4112-90D7-E231945E1F30}"/>
+                <a16:creationId xmlns="" xmlns:p14="http://schemas.microsoft.com/office/powerpoint/2010/main" xmlns:p15="http://schemas.microsoft.com/office/powerpoint/2012/main" xmlns:a16="http://schemas.microsoft.com/office/drawing/2014/main" id="{96D93ECD-B6C6-4112-90D7-E231945E1F30}"/>
               </a:ext>
             </a:extLst>
           </p:cNvPr>
@@ -4295,7 +4295,7 @@
           <p:cNvPr id="15" name="Text Placeholder 5">
             <a:extLst>
               <a:ext uri="{FF2B5EF4-FFF2-40B4-BE49-F238E27FC236}">
-                <a16:creationId xmlns:a16="http://schemas.microsoft.com/office/drawing/2014/main" xmlns:p15="http://schemas.microsoft.com/office/powerpoint/2012/main" xmlns:p14="http://schemas.microsoft.com/office/powerpoint/2010/main" xmlns="" id="{3372A251-F0BA-4160-BA4B-E2D8E2D287AA}"/>
+                <a16:creationId xmlns="" xmlns:p14="http://schemas.microsoft.com/office/powerpoint/2010/main" xmlns:p15="http://schemas.microsoft.com/office/powerpoint/2012/main" xmlns:a16="http://schemas.microsoft.com/office/drawing/2014/main" id="{3372A251-F0BA-4160-BA4B-E2D8E2D287AA}"/>
               </a:ext>
             </a:extLst>
           </p:cNvPr>
@@ -4304,7 +4304,7 @@
         </p:nvSpPr>
         <p:spPr>
           <a:xfrm>
-            <a:off x="1718186" y="2812213"/>
+            <a:off x="1943855" y="2437357"/>
             <a:ext cx="29482030" cy="1421928"/>
           </a:xfrm>
           <a:prstGeom prst="rect">
@@ -4532,7 +4532,7 @@
         </p:nvSpPr>
         <p:spPr>
           <a:xfrm>
-            <a:off x="748353" y="7802948"/>
+            <a:off x="807160" y="7077030"/>
             <a:ext cx="9923197" cy="6962130"/>
           </a:xfrm>
           <a:prstGeom prst="rect">
@@ -4582,7 +4582,7 @@
         </p:nvSpPr>
         <p:spPr>
           <a:xfrm>
-            <a:off x="748353" y="6633033"/>
+            <a:off x="784580" y="5874141"/>
             <a:ext cx="9923197" cy="914400"/>
           </a:xfrm>
           <a:prstGeom prst="rect">
@@ -4642,7 +4642,7 @@
         </p:nvSpPr>
         <p:spPr>
           <a:xfrm>
-            <a:off x="946580" y="7848238"/>
+            <a:off x="1069661" y="7217290"/>
             <a:ext cx="9392828" cy="6894195"/>
           </a:xfrm>
           <a:prstGeom prst="rect">
@@ -4666,21 +4666,10 @@
                 <a:ea typeface="Open Sans" panose="020B0606030504020204" pitchFamily="34" charset="0"/>
                 <a:cs typeface="Open Sans" panose="020B0606030504020204" pitchFamily="34" charset="0"/>
               </a:rPr>
-              <a:t>Улазни подаци састоје се од 320 различитих фотографија цвећа. Укупно се појављује 5 различитих типова цвета а сваки тип, заједно са називом слике на којој се налази описан је у улазном документу који садржи исправне информације о називу сваког цвета на свакој слици.</a:t>
-            </a:r>
-            <a:endParaRPr lang="sr-Cyrl-RS" sz="2600" dirty="0" smtClean="0">
-              <a:solidFill>
-                <a:schemeClr val="bg1"/>
-              </a:solidFill>
-              <a:latin typeface="Open Sans" panose="020B0606030504020204" pitchFamily="34" charset="0"/>
-              <a:ea typeface="Open Sans" panose="020B0606030504020204" pitchFamily="34" charset="0"/>
-              <a:cs typeface="Open Sans" panose="020B0606030504020204" pitchFamily="34" charset="0"/>
-            </a:endParaRPr>
-          </a:p>
-          <a:p>
-            <a:pPr lvl="0" algn="just"/>
-            <a:r>
-              <a:rPr lang="sr-Cyrl-RS" sz="2600" dirty="0" smtClean="0">
+              <a:t>Улазни подаци састоје се од 320 различитих фотографија цвећа. Укупно се појављује 5 различитих типова цвета а сваки тип, заједно са називом слике на којој се налази описан је у улазном документу који садржи исправне информације </a:t>
+            </a:r>
+            <a:r>
+              <a:rPr lang="sr-Cyrl-RS" sz="2600" b="1" dirty="0" smtClean="0">
                 <a:solidFill>
                   <a:schemeClr val="bg1"/>
                 </a:solidFill>
@@ -4688,19 +4677,8 @@
                 <a:ea typeface="Open Sans" panose="020B0606030504020204" pitchFamily="34" charset="0"/>
                 <a:cs typeface="Open Sans" panose="020B0606030504020204" pitchFamily="34" charset="0"/>
               </a:rPr>
-              <a:t>Овај скуп података се користи за тренинг класификатора.</a:t>
-            </a:r>
-            <a:endParaRPr lang="sr-Cyrl-RS" sz="2600" dirty="0" smtClean="0">
-              <a:solidFill>
-                <a:schemeClr val="bg1"/>
-              </a:solidFill>
-              <a:latin typeface="Open Sans" panose="020B0606030504020204" pitchFamily="34" charset="0"/>
-              <a:ea typeface="Open Sans" panose="020B0606030504020204" pitchFamily="34" charset="0"/>
-              <a:cs typeface="Open Sans" panose="020B0606030504020204" pitchFamily="34" charset="0"/>
-            </a:endParaRPr>
-          </a:p>
-          <a:p>
-            <a:pPr lvl="0" algn="just"/>
+              <a:t>о</a:t>
+            </a:r>
             <a:r>
               <a:rPr lang="sr-Cyrl-RS" sz="2600" dirty="0" smtClean="0">
                 <a:solidFill>
@@ -4710,9 +4688,12 @@
                 <a:ea typeface="Open Sans" panose="020B0606030504020204" pitchFamily="34" charset="0"/>
                 <a:cs typeface="Open Sans" panose="020B0606030504020204" pitchFamily="34" charset="0"/>
               </a:rPr>
-              <a:t/>
-            </a:r>
-            <a:br>
+              <a:t> називу сваког цвета на свакој слици.</a:t>
+            </a:r>
+          </a:p>
+          <a:p>
+            <a:pPr lvl="0" algn="just"/>
+            <a:r>
               <a:rPr lang="sr-Cyrl-RS" sz="2600" dirty="0" smtClean="0">
                 <a:solidFill>
                   <a:schemeClr val="bg1"/>
@@ -4721,7 +4702,11 @@
                 <a:ea typeface="Open Sans" panose="020B0606030504020204" pitchFamily="34" charset="0"/>
                 <a:cs typeface="Open Sans" panose="020B0606030504020204" pitchFamily="34" charset="0"/>
               </a:rPr>
-            </a:br>
+              <a:t>Овај скуп података се користи за тренинг класификатора.</a:t>
+            </a:r>
+          </a:p>
+          <a:p>
+            <a:pPr lvl="0" algn="just"/>
             <a:r>
               <a:rPr lang="sr-Cyrl-RS" sz="2600" dirty="0" smtClean="0">
                 <a:solidFill>
@@ -4731,9 +4716,9 @@
                 <a:ea typeface="Open Sans" panose="020B0606030504020204" pitchFamily="34" charset="0"/>
                 <a:cs typeface="Open Sans" panose="020B0606030504020204" pitchFamily="34" charset="0"/>
               </a:rPr>
-              <a:t>Тест скуп података састоји се од 80 различитих фотографија цветова из истих оних 5 различитих типова. </a:t>
-            </a:r>
-            <a:r>
+              <a:t/>
+            </a:r>
+            <a:br>
               <a:rPr lang="sr-Cyrl-RS" sz="2600" dirty="0" smtClean="0">
                 <a:solidFill>
                   <a:schemeClr val="bg1"/>
@@ -4742,7 +4727,17 @@
                 <a:ea typeface="Open Sans" panose="020B0606030504020204" pitchFamily="34" charset="0"/>
                 <a:cs typeface="Open Sans" panose="020B0606030504020204" pitchFamily="34" charset="0"/>
               </a:rPr>
-              <a:t>Такође уз тест директоријум са сликама налази се и тест документ са информацијама о називу сваког цвета на свакој тест слици.</a:t>
+            </a:br>
+            <a:r>
+              <a:rPr lang="sr-Cyrl-RS" sz="2600" dirty="0" smtClean="0">
+                <a:solidFill>
+                  <a:schemeClr val="bg1"/>
+                </a:solidFill>
+                <a:latin typeface="Open Sans" panose="020B0606030504020204" pitchFamily="34" charset="0"/>
+                <a:ea typeface="Open Sans" panose="020B0606030504020204" pitchFamily="34" charset="0"/>
+                <a:cs typeface="Open Sans" panose="020B0606030504020204" pitchFamily="34" charset="0"/>
+              </a:rPr>
+              <a:t>Тест скуп података састоји се од 80 различитих фотографија цветова из истих оних 5 различитих типова. Такође уз тест директоријум са сликама налази се и тест документ са информацијама о називу сваког цвета на свакој тест слици.</a:t>
             </a:r>
           </a:p>
           <a:p>
@@ -4799,7 +4794,7 @@
         </p:nvSpPr>
         <p:spPr>
           <a:xfrm>
-            <a:off x="965630" y="21222891"/>
+            <a:off x="1002266" y="19902073"/>
             <a:ext cx="9926323" cy="11695509"/>
           </a:xfrm>
           <a:prstGeom prst="rect">
@@ -5124,7 +5119,7 @@
         </p:nvSpPr>
         <p:spPr>
           <a:xfrm>
-            <a:off x="1007416" y="19931026"/>
+            <a:off x="1002266" y="18730704"/>
             <a:ext cx="9812833" cy="914400"/>
           </a:xfrm>
           <a:prstGeom prst="rect">
@@ -5175,7 +5170,7 @@
           <p:cNvPr id="18" name="TextBox 17">
             <a:extLst>
               <a:ext uri="{FF2B5EF4-FFF2-40B4-BE49-F238E27FC236}">
-                <a16:creationId xmlns:a16="http://schemas.microsoft.com/office/drawing/2014/main" xmlns:p15="http://schemas.microsoft.com/office/powerpoint/2012/main" xmlns:p14="http://schemas.microsoft.com/office/powerpoint/2010/main" xmlns="" id="{F11B3E59-AE53-4DED-A971-E053DEE116C7}"/>
+                <a16:creationId xmlns="" xmlns:p14="http://schemas.microsoft.com/office/powerpoint/2010/main" xmlns:p15="http://schemas.microsoft.com/office/powerpoint/2012/main" xmlns:a16="http://schemas.microsoft.com/office/drawing/2014/main" id="{F11B3E59-AE53-4DED-A971-E053DEE116C7}"/>
               </a:ext>
             </a:extLst>
           </p:cNvPr>
@@ -5184,7 +5179,7 @@
         </p:nvSpPr>
         <p:spPr>
           <a:xfrm>
-            <a:off x="11653847" y="8397339"/>
+            <a:off x="11653847" y="7484834"/>
             <a:ext cx="10184528" cy="4093428"/>
           </a:xfrm>
           <a:prstGeom prst="rect">
@@ -5352,7 +5347,7 @@
           <p:cNvPr id="19" name="Rectangle 18">
             <a:extLst>
               <a:ext uri="{FF2B5EF4-FFF2-40B4-BE49-F238E27FC236}">
-                <a16:creationId xmlns:a16="http://schemas.microsoft.com/office/drawing/2014/main" xmlns:p15="http://schemas.microsoft.com/office/powerpoint/2012/main" xmlns:p14="http://schemas.microsoft.com/office/powerpoint/2010/main" xmlns="" id="{B2352664-69B3-4116-8179-FBD03FBE287B}"/>
+                <a16:creationId xmlns="" xmlns:p14="http://schemas.microsoft.com/office/powerpoint/2010/main" xmlns:p15="http://schemas.microsoft.com/office/powerpoint/2012/main" xmlns:a16="http://schemas.microsoft.com/office/drawing/2014/main" id="{B2352664-69B3-4116-8179-FBD03FBE287B}"/>
               </a:ext>
             </a:extLst>
           </p:cNvPr>
@@ -5361,7 +5356,7 @@
         </p:nvSpPr>
         <p:spPr>
           <a:xfrm>
-            <a:off x="11615746" y="6637992"/>
+            <a:off x="11615746" y="5874452"/>
             <a:ext cx="20984005" cy="974911"/>
           </a:xfrm>
           <a:prstGeom prst="rect">
@@ -5418,7 +5413,7 @@
           <p:cNvPr id="20" name="TextBox 19">
             <a:extLst>
               <a:ext uri="{FF2B5EF4-FFF2-40B4-BE49-F238E27FC236}">
-                <a16:creationId xmlns:a16="http://schemas.microsoft.com/office/drawing/2014/main" xmlns:p15="http://schemas.microsoft.com/office/powerpoint/2012/main" xmlns:p14="http://schemas.microsoft.com/office/powerpoint/2010/main" xmlns="" id="{45ECDD11-8FA4-4EBC-9A33-A65B12940149}"/>
+                <a16:creationId xmlns="" xmlns:p14="http://schemas.microsoft.com/office/powerpoint/2010/main" xmlns:p15="http://schemas.microsoft.com/office/powerpoint/2012/main" xmlns:a16="http://schemas.microsoft.com/office/drawing/2014/main" id="{45ECDD11-8FA4-4EBC-9A33-A65B12940149}"/>
               </a:ext>
             </a:extLst>
           </p:cNvPr>
@@ -5427,7 +5422,7 @@
         </p:nvSpPr>
         <p:spPr>
           <a:xfrm>
-            <a:off x="11705184" y="26824424"/>
+            <a:off x="11705185" y="24524190"/>
             <a:ext cx="9959373" cy="6093976"/>
           </a:xfrm>
           <a:prstGeom prst="rect">
@@ -5582,7 +5577,7 @@
           <p:cNvPr id="21" name="Rectangle 20">
             <a:extLst>
               <a:ext uri="{FF2B5EF4-FFF2-40B4-BE49-F238E27FC236}">
-                <a16:creationId xmlns:a16="http://schemas.microsoft.com/office/drawing/2014/main" xmlns:p15="http://schemas.microsoft.com/office/powerpoint/2012/main" xmlns:p14="http://schemas.microsoft.com/office/powerpoint/2010/main" xmlns="" id="{C59F2BED-4EC3-48A3-AA9E-8C76922558DA}"/>
+                <a16:creationId xmlns="" xmlns:p14="http://schemas.microsoft.com/office/powerpoint/2010/main" xmlns:p15="http://schemas.microsoft.com/office/powerpoint/2012/main" xmlns:a16="http://schemas.microsoft.com/office/drawing/2014/main" id="{C59F2BED-4EC3-48A3-AA9E-8C76922558DA}"/>
               </a:ext>
             </a:extLst>
           </p:cNvPr>
@@ -5591,7 +5586,7 @@
         </p:nvSpPr>
         <p:spPr>
           <a:xfrm>
-            <a:off x="11653845" y="25273795"/>
+            <a:off x="11653845" y="23048052"/>
             <a:ext cx="9989291" cy="914400"/>
           </a:xfrm>
           <a:prstGeom prst="rect">
@@ -5648,7 +5643,7 @@
           <p:cNvPr id="24" name="TextBox 23">
             <a:extLst>
               <a:ext uri="{FF2B5EF4-FFF2-40B4-BE49-F238E27FC236}">
-                <a16:creationId xmlns:a16="http://schemas.microsoft.com/office/drawing/2014/main" xmlns:p15="http://schemas.microsoft.com/office/powerpoint/2012/main" xmlns:p14="http://schemas.microsoft.com/office/powerpoint/2010/main" xmlns="" id="{7E7FC927-124E-4EB7-9F44-39B075F9F524}"/>
+                <a16:creationId xmlns="" xmlns:p14="http://schemas.microsoft.com/office/powerpoint/2010/main" xmlns:p15="http://schemas.microsoft.com/office/powerpoint/2012/main" xmlns:a16="http://schemas.microsoft.com/office/drawing/2014/main" id="{7E7FC927-124E-4EB7-9F44-39B075F9F524}"/>
               </a:ext>
             </a:extLst>
           </p:cNvPr>
@@ -5657,7 +5652,7 @@
         </p:nvSpPr>
         <p:spPr>
           <a:xfrm>
-            <a:off x="21838375" y="26825615"/>
+            <a:off x="21838375" y="24501136"/>
             <a:ext cx="10464148" cy="6093976"/>
           </a:xfrm>
           <a:prstGeom prst="rect">
@@ -5708,18 +5703,7 @@
                 <a:ea typeface="Open Sans" panose="020B0606030504020204" pitchFamily="34" charset="0"/>
                 <a:cs typeface="Open Sans" panose="020B0606030504020204" pitchFamily="34" charset="0"/>
               </a:rPr>
-              <a:t>Конкретно решење </a:t>
-            </a:r>
-            <a:r>
-              <a:rPr lang="sr-Cyrl-RS" sz="2600" dirty="0" smtClean="0">
-                <a:solidFill>
-                  <a:schemeClr val="bg1"/>
-                </a:solidFill>
-                <a:latin typeface="Open Sans" panose="020B0606030504020204" pitchFamily="34" charset="0"/>
-                <a:ea typeface="Open Sans" panose="020B0606030504020204" pitchFamily="34" charset="0"/>
-                <a:cs typeface="Open Sans" panose="020B0606030504020204" pitchFamily="34" charset="0"/>
-              </a:rPr>
-              <a:t>које користи </a:t>
+              <a:t>Конкретно решење које користи </a:t>
             </a:r>
             <a:r>
               <a:rPr lang="en-US" sz="2600" i="1" dirty="0" smtClean="0">
@@ -5842,7 +5826,7 @@
           <p:cNvPr id="25" name="Rectangle 24">
             <a:extLst>
               <a:ext uri="{FF2B5EF4-FFF2-40B4-BE49-F238E27FC236}">
-                <a16:creationId xmlns:a16="http://schemas.microsoft.com/office/drawing/2014/main" xmlns:p15="http://schemas.microsoft.com/office/powerpoint/2012/main" xmlns:p14="http://schemas.microsoft.com/office/powerpoint/2010/main" xmlns="" id="{BBB0E07D-E054-42DE-A138-31D324E10705}"/>
+                <a16:creationId xmlns="" xmlns:p14="http://schemas.microsoft.com/office/powerpoint/2010/main" xmlns:p15="http://schemas.microsoft.com/office/powerpoint/2012/main" xmlns:a16="http://schemas.microsoft.com/office/drawing/2014/main" id="{BBB0E07D-E054-42DE-A138-31D324E10705}"/>
               </a:ext>
             </a:extLst>
           </p:cNvPr>
@@ -5851,7 +5835,7 @@
         </p:nvSpPr>
         <p:spPr>
           <a:xfrm>
-            <a:off x="21838375" y="25273795"/>
+            <a:off x="21868806" y="23048052"/>
             <a:ext cx="10464148" cy="914400"/>
           </a:xfrm>
           <a:prstGeom prst="rect">
@@ -5925,7 +5909,7 @@
         </p:blipFill>
         <p:spPr>
           <a:xfrm>
-            <a:off x="22135604" y="8435608"/>
+            <a:off x="22064045" y="7515611"/>
             <a:ext cx="10464148" cy="4062651"/>
           </a:xfrm>
           <a:prstGeom prst="rect">
@@ -5955,8 +5939,8 @@
         </p:blipFill>
         <p:spPr>
           <a:xfrm>
-            <a:off x="3326722" y="14765078"/>
-            <a:ext cx="4752975" cy="4972050"/>
+            <a:off x="3749932" y="14297220"/>
+            <a:ext cx="3992492" cy="4176515"/>
           </a:xfrm>
           <a:prstGeom prst="rect">
             <a:avLst/>
@@ -5985,7 +5969,7 @@
         </p:blipFill>
         <p:spPr>
           <a:xfrm>
-            <a:off x="11653845" y="16602903"/>
+            <a:off x="11653845" y="14724982"/>
             <a:ext cx="20945905" cy="7011728"/>
           </a:xfrm>
           <a:prstGeom prst="rect">
@@ -5998,7 +5982,7 @@
           <p:cNvPr id="26" name="Rectangle 25">
             <a:extLst>
               <a:ext uri="{FF2B5EF4-FFF2-40B4-BE49-F238E27FC236}">
-                <a16:creationId xmlns:a16="http://schemas.microsoft.com/office/drawing/2014/main" xmlns:p15="http://schemas.microsoft.com/office/powerpoint/2012/main" xmlns:p14="http://schemas.microsoft.com/office/powerpoint/2010/main" xmlns="" id="{B2352664-69B3-4116-8179-FBD03FBE287B}"/>
+                <a16:creationId xmlns="" xmlns:p14="http://schemas.microsoft.com/office/powerpoint/2010/main" xmlns:p15="http://schemas.microsoft.com/office/powerpoint/2012/main" xmlns:a16="http://schemas.microsoft.com/office/drawing/2014/main" id="{B2352664-69B3-4116-8179-FBD03FBE287B}"/>
               </a:ext>
             </a:extLst>
           </p:cNvPr>
@@ -6007,7 +5991,7 @@
         </p:nvSpPr>
         <p:spPr>
           <a:xfrm>
-            <a:off x="11615746" y="14765078"/>
+            <a:off x="11615746" y="13064249"/>
             <a:ext cx="20984005" cy="974911"/>
           </a:xfrm>
           <a:prstGeom prst="rect">
